--- a/答辩.pptx
+++ b/答辩.pptx
@@ -216,7 +216,7 @@
           <a:p>
             <a:fld id="{D2A48B96-639E-45A3-A0BA-2464DFDB1FAA}" type="datetimeFigureOut">
               <a:rPr lang="zh-CN" altLang="en-US" smtClean="0"/>
-              <a:t>2022/4/8</a:t>
+              <a:t>2022/4/13</a:t>
             </a:fld>
             <a:endParaRPr lang="zh-CN" altLang="en-US"/>
           </a:p>
@@ -675,7 +675,7 @@
           <a:p>
             <a:fld id="{82F288E0-7875-42C4-84C8-98DBBD3BF4D2}" type="datetimeFigureOut">
               <a:rPr lang="zh-CN" altLang="en-US" smtClean="0"/>
-              <a:t>2022/4/8</a:t>
+              <a:t>2022/4/13</a:t>
             </a:fld>
             <a:endParaRPr lang="zh-CN" altLang="en-US"/>
           </a:p>
@@ -837,7 +837,7 @@
           <a:p>
             <a:fld id="{82F288E0-7875-42C4-84C8-98DBBD3BF4D2}" type="datetimeFigureOut">
               <a:rPr lang="zh-CN" altLang="en-US" smtClean="0"/>
-              <a:t>2022/4/8</a:t>
+              <a:t>2022/4/13</a:t>
             </a:fld>
             <a:endParaRPr lang="zh-CN" altLang="en-US"/>
           </a:p>
@@ -939,7 +939,7 @@
           <a:p>
             <a:fld id="{82F288E0-7875-42C4-84C8-98DBBD3BF4D2}" type="datetimeFigureOut">
               <a:rPr lang="zh-CN" altLang="en-US" smtClean="0"/>
-              <a:t>2022/4/8</a:t>
+              <a:t>2022/4/13</a:t>
             </a:fld>
             <a:endParaRPr lang="zh-CN" altLang="en-US"/>
           </a:p>
@@ -1128,7 +1128,7 @@
           <a:p>
             <a:fld id="{82F288E0-7875-42C4-84C8-98DBBD3BF4D2}" type="datetimeFigureOut">
               <a:rPr lang="zh-CN" altLang="en-US" smtClean="0"/>
-              <a:t>2022/4/8</a:t>
+              <a:t>2022/4/13</a:t>
             </a:fld>
             <a:endParaRPr lang="zh-CN" altLang="en-US"/>
           </a:p>
@@ -1381,7 +1381,7 @@
           <a:p>
             <a:fld id="{82F288E0-7875-42C4-84C8-98DBBD3BF4D2}" type="datetimeFigureOut">
               <a:rPr lang="zh-CN" altLang="en-US" smtClean="0"/>
-              <a:t>2022/4/8</a:t>
+              <a:t>2022/4/13</a:t>
             </a:fld>
             <a:endParaRPr lang="zh-CN" altLang="en-US"/>
           </a:p>
@@ -1621,7 +1621,7 @@
           <a:p>
             <a:fld id="{82F288E0-7875-42C4-84C8-98DBBD3BF4D2}" type="datetimeFigureOut">
               <a:rPr lang="zh-CN" altLang="en-US" smtClean="0"/>
-              <a:t>2022/4/8</a:t>
+              <a:t>2022/4/13</a:t>
             </a:fld>
             <a:endParaRPr lang="zh-CN" altLang="en-US"/>
           </a:p>
@@ -2012,7 +2012,7 @@
           <a:p>
             <a:fld id="{82F288E0-7875-42C4-84C8-98DBBD3BF4D2}" type="datetimeFigureOut">
               <a:rPr lang="zh-CN" altLang="en-US" smtClean="0"/>
-              <a:t>2022/4/8</a:t>
+              <a:t>2022/4/13</a:t>
             </a:fld>
             <a:endParaRPr lang="zh-CN" altLang="en-US"/>
           </a:p>
@@ -2141,7 +2141,7 @@
           <a:p>
             <a:fld id="{82F288E0-7875-42C4-84C8-98DBBD3BF4D2}" type="datetimeFigureOut">
               <a:rPr lang="zh-CN" altLang="en-US" smtClean="0"/>
-              <a:t>2022/4/8</a:t>
+              <a:t>2022/4/13</a:t>
             </a:fld>
             <a:endParaRPr lang="zh-CN" altLang="en-US"/>
           </a:p>
@@ -2412,7 +2412,7 @@
           <a:p>
             <a:fld id="{82F288E0-7875-42C4-84C8-98DBBD3BF4D2}" type="datetimeFigureOut">
               <a:rPr lang="zh-CN" altLang="en-US" smtClean="0"/>
-              <a:t>2022/4/8</a:t>
+              <a:t>2022/4/13</a:t>
             </a:fld>
             <a:endParaRPr lang="zh-CN" altLang="en-US"/>
           </a:p>
@@ -2683,7 +2683,7 @@
           <a:p>
             <a:fld id="{82F288E0-7875-42C4-84C8-98DBBD3BF4D2}" type="datetimeFigureOut">
               <a:rPr lang="zh-CN" altLang="en-US" smtClean="0"/>
-              <a:t>2022/4/8</a:t>
+              <a:t>2022/4/13</a:t>
             </a:fld>
             <a:endParaRPr lang="zh-CN" altLang="en-US"/>
           </a:p>
@@ -2785,7 +2785,7 @@
           <a:p>
             <a:fld id="{82F288E0-7875-42C4-84C8-98DBBD3BF4D2}" type="datetimeFigureOut">
               <a:rPr lang="zh-CN" altLang="en-US" smtClean="0"/>
-              <a:t>2022/4/8</a:t>
+              <a:t>2022/4/13</a:t>
             </a:fld>
             <a:endParaRPr lang="zh-CN" altLang="en-US"/>
           </a:p>
@@ -3108,7 +3108,7 @@
           <a:p>
             <a:fld id="{82F288E0-7875-42C4-84C8-98DBBD3BF4D2}" type="datetimeFigureOut">
               <a:rPr lang="zh-CN" altLang="en-US" smtClean="0"/>
-              <a:t>2022/4/8</a:t>
+              <a:t>2022/4/13</a:t>
             </a:fld>
             <a:endParaRPr lang="zh-CN" altLang="en-US"/>
           </a:p>
@@ -16313,6 +16313,1678 @@
           </a:prstGeom>
         </p:spPr>
       </p:pic>
+      <p:sp>
+        <p:nvSpPr>
+          <p:cNvPr id="6" name="五边形 20">
+            <a:extLst>
+              <a:ext uri="{FF2B5EF4-FFF2-40B4-BE49-F238E27FC236}">
+                <a16:creationId xmlns:a16="http://schemas.microsoft.com/office/drawing/2014/main" id="{9F336440-A534-41F2-88F5-B138FBEB70F7}"/>
+              </a:ext>
+            </a:extLst>
+          </p:cNvPr>
+          <p:cNvSpPr/>
+          <p:nvPr/>
+        </p:nvSpPr>
+        <p:spPr>
+          <a:xfrm>
+            <a:off x="2011429" y="2349814"/>
+            <a:ext cx="2567403" cy="2833947"/>
+          </a:xfrm>
+          <a:custGeom>
+            <a:avLst/>
+            <a:gdLst>
+              <a:gd name="connsiteX0" fmla="*/ 0 w 2567402"/>
+              <a:gd name="connsiteY0" fmla="*/ 0 h 2763078"/>
+              <a:gd name="connsiteX1" fmla="*/ 1283701 w 2567402"/>
+              <a:gd name="connsiteY1" fmla="*/ 0 h 2763078"/>
+              <a:gd name="connsiteX2" fmla="*/ 2567402 w 2567402"/>
+              <a:gd name="connsiteY2" fmla="*/ 1381539 h 2763078"/>
+              <a:gd name="connsiteX3" fmla="*/ 1283701 w 2567402"/>
+              <a:gd name="connsiteY3" fmla="*/ 2763078 h 2763078"/>
+              <a:gd name="connsiteX4" fmla="*/ 0 w 2567402"/>
+              <a:gd name="connsiteY4" fmla="*/ 2763078 h 2763078"/>
+              <a:gd name="connsiteX5" fmla="*/ 0 w 2567402"/>
+              <a:gd name="connsiteY5" fmla="*/ 0 h 2763078"/>
+              <a:gd name="connsiteX0" fmla="*/ 0 w 2368620"/>
+              <a:gd name="connsiteY0" fmla="*/ 0 h 2763078"/>
+              <a:gd name="connsiteX1" fmla="*/ 1283701 w 2368620"/>
+              <a:gd name="connsiteY1" fmla="*/ 0 h 2763078"/>
+              <a:gd name="connsiteX2" fmla="*/ 2368620 w 2368620"/>
+              <a:gd name="connsiteY2" fmla="*/ 1391478 h 2763078"/>
+              <a:gd name="connsiteX3" fmla="*/ 1283701 w 2368620"/>
+              <a:gd name="connsiteY3" fmla="*/ 2763078 h 2763078"/>
+              <a:gd name="connsiteX4" fmla="*/ 0 w 2368620"/>
+              <a:gd name="connsiteY4" fmla="*/ 2763078 h 2763078"/>
+              <a:gd name="connsiteX5" fmla="*/ 0 w 2368620"/>
+              <a:gd name="connsiteY5" fmla="*/ 0 h 2763078"/>
+              <a:gd name="connsiteX0" fmla="*/ 0 w 2368620"/>
+              <a:gd name="connsiteY0" fmla="*/ 0 h 2763078"/>
+              <a:gd name="connsiteX1" fmla="*/ 1432788 w 2368620"/>
+              <a:gd name="connsiteY1" fmla="*/ 0 h 2763078"/>
+              <a:gd name="connsiteX2" fmla="*/ 2368620 w 2368620"/>
+              <a:gd name="connsiteY2" fmla="*/ 1391478 h 2763078"/>
+              <a:gd name="connsiteX3" fmla="*/ 1283701 w 2368620"/>
+              <a:gd name="connsiteY3" fmla="*/ 2763078 h 2763078"/>
+              <a:gd name="connsiteX4" fmla="*/ 0 w 2368620"/>
+              <a:gd name="connsiteY4" fmla="*/ 2763078 h 2763078"/>
+              <a:gd name="connsiteX5" fmla="*/ 0 w 2368620"/>
+              <a:gd name="connsiteY5" fmla="*/ 0 h 2763078"/>
+              <a:gd name="connsiteX0" fmla="*/ 0 w 2368620"/>
+              <a:gd name="connsiteY0" fmla="*/ 0 h 2763078"/>
+              <a:gd name="connsiteX1" fmla="*/ 1432788 w 2368620"/>
+              <a:gd name="connsiteY1" fmla="*/ 0 h 2763078"/>
+              <a:gd name="connsiteX2" fmla="*/ 2368620 w 2368620"/>
+              <a:gd name="connsiteY2" fmla="*/ 1391478 h 2763078"/>
+              <a:gd name="connsiteX3" fmla="*/ 1422848 w 2368620"/>
+              <a:gd name="connsiteY3" fmla="*/ 2753139 h 2763078"/>
+              <a:gd name="connsiteX4" fmla="*/ 0 w 2368620"/>
+              <a:gd name="connsiteY4" fmla="*/ 2763078 h 2763078"/>
+              <a:gd name="connsiteX5" fmla="*/ 0 w 2368620"/>
+              <a:gd name="connsiteY5" fmla="*/ 0 h 2763078"/>
+              <a:gd name="connsiteX0" fmla="*/ 0 w 2271875"/>
+              <a:gd name="connsiteY0" fmla="*/ 0 h 2763078"/>
+              <a:gd name="connsiteX1" fmla="*/ 1432788 w 2271875"/>
+              <a:gd name="connsiteY1" fmla="*/ 0 h 2763078"/>
+              <a:gd name="connsiteX2" fmla="*/ 2271875 w 2271875"/>
+              <a:gd name="connsiteY2" fmla="*/ 1381539 h 2763078"/>
+              <a:gd name="connsiteX3" fmla="*/ 1422848 w 2271875"/>
+              <a:gd name="connsiteY3" fmla="*/ 2753139 h 2763078"/>
+              <a:gd name="connsiteX4" fmla="*/ 0 w 2271875"/>
+              <a:gd name="connsiteY4" fmla="*/ 2763078 h 2763078"/>
+              <a:gd name="connsiteX5" fmla="*/ 0 w 2271875"/>
+              <a:gd name="connsiteY5" fmla="*/ 0 h 2763078"/>
+              <a:gd name="connsiteX0" fmla="*/ 0 w 2271875"/>
+              <a:gd name="connsiteY0" fmla="*/ 0 h 2763078"/>
+              <a:gd name="connsiteX1" fmla="*/ 1432788 w 2271875"/>
+              <a:gd name="connsiteY1" fmla="*/ 0 h 2763078"/>
+              <a:gd name="connsiteX2" fmla="*/ 2271875 w 2271875"/>
+              <a:gd name="connsiteY2" fmla="*/ 1381539 h 2763078"/>
+              <a:gd name="connsiteX3" fmla="*/ 1387669 w 2271875"/>
+              <a:gd name="connsiteY3" fmla="*/ 2743448 h 2763078"/>
+              <a:gd name="connsiteX4" fmla="*/ 0 w 2271875"/>
+              <a:gd name="connsiteY4" fmla="*/ 2763078 h 2763078"/>
+              <a:gd name="connsiteX5" fmla="*/ 0 w 2271875"/>
+              <a:gd name="connsiteY5" fmla="*/ 0 h 2763078"/>
+              <a:gd name="connsiteX0" fmla="*/ 0 w 2271875"/>
+              <a:gd name="connsiteY0" fmla="*/ 0 h 2763078"/>
+              <a:gd name="connsiteX1" fmla="*/ 1432788 w 2271875"/>
+              <a:gd name="connsiteY1" fmla="*/ 0 h 2763078"/>
+              <a:gd name="connsiteX2" fmla="*/ 2271875 w 2271875"/>
+              <a:gd name="connsiteY2" fmla="*/ 1381539 h 2763078"/>
+              <a:gd name="connsiteX3" fmla="*/ 1352490 w 2271875"/>
+              <a:gd name="connsiteY3" fmla="*/ 2743448 h 2763078"/>
+              <a:gd name="connsiteX4" fmla="*/ 0 w 2271875"/>
+              <a:gd name="connsiteY4" fmla="*/ 2763078 h 2763078"/>
+              <a:gd name="connsiteX5" fmla="*/ 0 w 2271875"/>
+              <a:gd name="connsiteY5" fmla="*/ 0 h 2763078"/>
+            </a:gdLst>
+            <a:ahLst/>
+            <a:cxnLst>
+              <a:cxn ang="0">
+                <a:pos x="connsiteX0" y="connsiteY0"/>
+              </a:cxn>
+              <a:cxn ang="0">
+                <a:pos x="connsiteX1" y="connsiteY1"/>
+              </a:cxn>
+              <a:cxn ang="0">
+                <a:pos x="connsiteX2" y="connsiteY2"/>
+              </a:cxn>
+              <a:cxn ang="0">
+                <a:pos x="connsiteX3" y="connsiteY3"/>
+              </a:cxn>
+              <a:cxn ang="0">
+                <a:pos x="connsiteX4" y="connsiteY4"/>
+              </a:cxn>
+              <a:cxn ang="0">
+                <a:pos x="connsiteX5" y="connsiteY5"/>
+              </a:cxn>
+            </a:cxnLst>
+            <a:rect l="l" t="t" r="r" b="b"/>
+            <a:pathLst>
+              <a:path w="2271875" h="2763078">
+                <a:moveTo>
+                  <a:pt x="0" y="0"/>
+                </a:moveTo>
+                <a:lnTo>
+                  <a:pt x="1432788" y="0"/>
+                </a:lnTo>
+                <a:lnTo>
+                  <a:pt x="2271875" y="1381539"/>
+                </a:lnTo>
+                <a:lnTo>
+                  <a:pt x="1352490" y="2743448"/>
+                </a:lnTo>
+                <a:lnTo>
+                  <a:pt x="0" y="2763078"/>
+                </a:lnTo>
+                <a:lnTo>
+                  <a:pt x="0" y="0"/>
+                </a:lnTo>
+                <a:close/>
+              </a:path>
+            </a:pathLst>
+          </a:custGeom>
+          <a:ln>
+            <a:noFill/>
+          </a:ln>
+        </p:spPr>
+        <p:style>
+          <a:lnRef idx="2">
+            <a:schemeClr val="accent1">
+              <a:shade val="50000"/>
+            </a:schemeClr>
+          </a:lnRef>
+          <a:fillRef idx="1">
+            <a:schemeClr val="accent1"/>
+          </a:fillRef>
+          <a:effectRef idx="0">
+            <a:schemeClr val="accent1"/>
+          </a:effectRef>
+          <a:fontRef idx="minor">
+            <a:schemeClr val="lt1"/>
+          </a:fontRef>
+        </p:style>
+        <p:txBody>
+          <a:bodyPr rtlCol="0" anchor="ctr"/>
+          <a:lstStyle/>
+          <a:p>
+            <a:pPr algn="ctr"/>
+            <a:endParaRPr lang="zh-CN" altLang="en-US"/>
+          </a:p>
+        </p:txBody>
+      </p:sp>
+      <p:sp>
+        <p:nvSpPr>
+          <p:cNvPr id="8" name="燕尾形 22">
+            <a:extLst>
+              <a:ext uri="{FF2B5EF4-FFF2-40B4-BE49-F238E27FC236}">
+                <a16:creationId xmlns:a16="http://schemas.microsoft.com/office/drawing/2014/main" id="{431B5375-D992-469E-94DC-5235E489230F}"/>
+              </a:ext>
+            </a:extLst>
+          </p:cNvPr>
+          <p:cNvSpPr/>
+          <p:nvPr/>
+        </p:nvSpPr>
+        <p:spPr>
+          <a:xfrm>
+            <a:off x="3856279" y="2341170"/>
+            <a:ext cx="4502530" cy="2842591"/>
+          </a:xfrm>
+          <a:custGeom>
+            <a:avLst/>
+            <a:gdLst>
+              <a:gd name="connsiteX0" fmla="*/ 0 w 2309125"/>
+              <a:gd name="connsiteY0" fmla="*/ 0 h 2832652"/>
+              <a:gd name="connsiteX1" fmla="*/ 1154563 w 2309125"/>
+              <a:gd name="connsiteY1" fmla="*/ 0 h 2832652"/>
+              <a:gd name="connsiteX2" fmla="*/ 2309125 w 2309125"/>
+              <a:gd name="connsiteY2" fmla="*/ 1416326 h 2832652"/>
+              <a:gd name="connsiteX3" fmla="*/ 1154563 w 2309125"/>
+              <a:gd name="connsiteY3" fmla="*/ 2832652 h 2832652"/>
+              <a:gd name="connsiteX4" fmla="*/ 0 w 2309125"/>
+              <a:gd name="connsiteY4" fmla="*/ 2832652 h 2832652"/>
+              <a:gd name="connsiteX5" fmla="*/ 1154563 w 2309125"/>
+              <a:gd name="connsiteY5" fmla="*/ 1416326 h 2832652"/>
+              <a:gd name="connsiteX6" fmla="*/ 0 w 2309125"/>
+              <a:gd name="connsiteY6" fmla="*/ 0 h 2832652"/>
+              <a:gd name="connsiteX0" fmla="*/ 0 w 4058412"/>
+              <a:gd name="connsiteY0" fmla="*/ 0 h 2832652"/>
+              <a:gd name="connsiteX1" fmla="*/ 1154563 w 4058412"/>
+              <a:gd name="connsiteY1" fmla="*/ 0 h 2832652"/>
+              <a:gd name="connsiteX2" fmla="*/ 4058412 w 4058412"/>
+              <a:gd name="connsiteY2" fmla="*/ 1426265 h 2832652"/>
+              <a:gd name="connsiteX3" fmla="*/ 1154563 w 4058412"/>
+              <a:gd name="connsiteY3" fmla="*/ 2832652 h 2832652"/>
+              <a:gd name="connsiteX4" fmla="*/ 0 w 4058412"/>
+              <a:gd name="connsiteY4" fmla="*/ 2832652 h 2832652"/>
+              <a:gd name="connsiteX5" fmla="*/ 1154563 w 4058412"/>
+              <a:gd name="connsiteY5" fmla="*/ 1416326 h 2832652"/>
+              <a:gd name="connsiteX6" fmla="*/ 0 w 4058412"/>
+              <a:gd name="connsiteY6" fmla="*/ 0 h 2832652"/>
+              <a:gd name="connsiteX0" fmla="*/ 0 w 3531638"/>
+              <a:gd name="connsiteY0" fmla="*/ 0 h 2832652"/>
+              <a:gd name="connsiteX1" fmla="*/ 1154563 w 3531638"/>
+              <a:gd name="connsiteY1" fmla="*/ 0 h 2832652"/>
+              <a:gd name="connsiteX2" fmla="*/ 3531638 w 3531638"/>
+              <a:gd name="connsiteY2" fmla="*/ 1396448 h 2832652"/>
+              <a:gd name="connsiteX3" fmla="*/ 1154563 w 3531638"/>
+              <a:gd name="connsiteY3" fmla="*/ 2832652 h 2832652"/>
+              <a:gd name="connsiteX4" fmla="*/ 0 w 3531638"/>
+              <a:gd name="connsiteY4" fmla="*/ 2832652 h 2832652"/>
+              <a:gd name="connsiteX5" fmla="*/ 1154563 w 3531638"/>
+              <a:gd name="connsiteY5" fmla="*/ 1416326 h 2832652"/>
+              <a:gd name="connsiteX6" fmla="*/ 0 w 3531638"/>
+              <a:gd name="connsiteY6" fmla="*/ 0 h 2832652"/>
+              <a:gd name="connsiteX0" fmla="*/ 0 w 3531638"/>
+              <a:gd name="connsiteY0" fmla="*/ 0 h 2832652"/>
+              <a:gd name="connsiteX1" fmla="*/ 2178294 w 3531638"/>
+              <a:gd name="connsiteY1" fmla="*/ 0 h 2832652"/>
+              <a:gd name="connsiteX2" fmla="*/ 3531638 w 3531638"/>
+              <a:gd name="connsiteY2" fmla="*/ 1396448 h 2832652"/>
+              <a:gd name="connsiteX3" fmla="*/ 1154563 w 3531638"/>
+              <a:gd name="connsiteY3" fmla="*/ 2832652 h 2832652"/>
+              <a:gd name="connsiteX4" fmla="*/ 0 w 3531638"/>
+              <a:gd name="connsiteY4" fmla="*/ 2832652 h 2832652"/>
+              <a:gd name="connsiteX5" fmla="*/ 1154563 w 3531638"/>
+              <a:gd name="connsiteY5" fmla="*/ 1416326 h 2832652"/>
+              <a:gd name="connsiteX6" fmla="*/ 0 w 3531638"/>
+              <a:gd name="connsiteY6" fmla="*/ 0 h 2832652"/>
+              <a:gd name="connsiteX0" fmla="*/ 0 w 3531638"/>
+              <a:gd name="connsiteY0" fmla="*/ 0 h 2832652"/>
+              <a:gd name="connsiteX1" fmla="*/ 2178294 w 3531638"/>
+              <a:gd name="connsiteY1" fmla="*/ 0 h 2832652"/>
+              <a:gd name="connsiteX2" fmla="*/ 3531638 w 3531638"/>
+              <a:gd name="connsiteY2" fmla="*/ 1396448 h 2832652"/>
+              <a:gd name="connsiteX3" fmla="*/ 2128597 w 3531638"/>
+              <a:gd name="connsiteY3" fmla="*/ 2832652 h 2832652"/>
+              <a:gd name="connsiteX4" fmla="*/ 0 w 3531638"/>
+              <a:gd name="connsiteY4" fmla="*/ 2832652 h 2832652"/>
+              <a:gd name="connsiteX5" fmla="*/ 1154563 w 3531638"/>
+              <a:gd name="connsiteY5" fmla="*/ 1416326 h 2832652"/>
+              <a:gd name="connsiteX6" fmla="*/ 0 w 3531638"/>
+              <a:gd name="connsiteY6" fmla="*/ 0 h 2832652"/>
+              <a:gd name="connsiteX0" fmla="*/ 0 w 3531638"/>
+              <a:gd name="connsiteY0" fmla="*/ 0 h 2832652"/>
+              <a:gd name="connsiteX1" fmla="*/ 2178294 w 3531638"/>
+              <a:gd name="connsiteY1" fmla="*/ 0 h 2832652"/>
+              <a:gd name="connsiteX2" fmla="*/ 3531638 w 3531638"/>
+              <a:gd name="connsiteY2" fmla="*/ 1396448 h 2832652"/>
+              <a:gd name="connsiteX3" fmla="*/ 2178293 w 3531638"/>
+              <a:gd name="connsiteY3" fmla="*/ 2832652 h 2832652"/>
+              <a:gd name="connsiteX4" fmla="*/ 0 w 3531638"/>
+              <a:gd name="connsiteY4" fmla="*/ 2832652 h 2832652"/>
+              <a:gd name="connsiteX5" fmla="*/ 1154563 w 3531638"/>
+              <a:gd name="connsiteY5" fmla="*/ 1416326 h 2832652"/>
+              <a:gd name="connsiteX6" fmla="*/ 0 w 3531638"/>
+              <a:gd name="connsiteY6" fmla="*/ 0 h 2832652"/>
+              <a:gd name="connsiteX0" fmla="*/ 0 w 3531638"/>
+              <a:gd name="connsiteY0" fmla="*/ 9939 h 2842591"/>
+              <a:gd name="connsiteX1" fmla="*/ 2526163 w 3531638"/>
+              <a:gd name="connsiteY1" fmla="*/ 0 h 2842591"/>
+              <a:gd name="connsiteX2" fmla="*/ 3531638 w 3531638"/>
+              <a:gd name="connsiteY2" fmla="*/ 1406387 h 2842591"/>
+              <a:gd name="connsiteX3" fmla="*/ 2178293 w 3531638"/>
+              <a:gd name="connsiteY3" fmla="*/ 2842591 h 2842591"/>
+              <a:gd name="connsiteX4" fmla="*/ 0 w 3531638"/>
+              <a:gd name="connsiteY4" fmla="*/ 2842591 h 2842591"/>
+              <a:gd name="connsiteX5" fmla="*/ 1154563 w 3531638"/>
+              <a:gd name="connsiteY5" fmla="*/ 1426265 h 2842591"/>
+              <a:gd name="connsiteX6" fmla="*/ 0 w 3531638"/>
+              <a:gd name="connsiteY6" fmla="*/ 9939 h 2842591"/>
+              <a:gd name="connsiteX0" fmla="*/ 0 w 3531638"/>
+              <a:gd name="connsiteY0" fmla="*/ 9939 h 2842591"/>
+              <a:gd name="connsiteX1" fmla="*/ 2526163 w 3531638"/>
+              <a:gd name="connsiteY1" fmla="*/ 0 h 2842591"/>
+              <a:gd name="connsiteX2" fmla="*/ 3531638 w 3531638"/>
+              <a:gd name="connsiteY2" fmla="*/ 1406387 h 2842591"/>
+              <a:gd name="connsiteX3" fmla="*/ 2476467 w 3531638"/>
+              <a:gd name="connsiteY3" fmla="*/ 2842591 h 2842591"/>
+              <a:gd name="connsiteX4" fmla="*/ 0 w 3531638"/>
+              <a:gd name="connsiteY4" fmla="*/ 2842591 h 2842591"/>
+              <a:gd name="connsiteX5" fmla="*/ 1154563 w 3531638"/>
+              <a:gd name="connsiteY5" fmla="*/ 1426265 h 2842591"/>
+              <a:gd name="connsiteX6" fmla="*/ 0 w 3531638"/>
+              <a:gd name="connsiteY6" fmla="*/ 9939 h 2842591"/>
+              <a:gd name="connsiteX0" fmla="*/ 0 w 3531638"/>
+              <a:gd name="connsiteY0" fmla="*/ 9939 h 2842591"/>
+              <a:gd name="connsiteX1" fmla="*/ 2526163 w 3531638"/>
+              <a:gd name="connsiteY1" fmla="*/ 0 h 2842591"/>
+              <a:gd name="connsiteX2" fmla="*/ 3531638 w 3531638"/>
+              <a:gd name="connsiteY2" fmla="*/ 1406387 h 2842591"/>
+              <a:gd name="connsiteX3" fmla="*/ 2476467 w 3531638"/>
+              <a:gd name="connsiteY3" fmla="*/ 2842591 h 2842591"/>
+              <a:gd name="connsiteX4" fmla="*/ 0 w 3531638"/>
+              <a:gd name="connsiteY4" fmla="*/ 2842591 h 2842591"/>
+              <a:gd name="connsiteX5" fmla="*/ 995537 w 3531638"/>
+              <a:gd name="connsiteY5" fmla="*/ 1406387 h 2842591"/>
+              <a:gd name="connsiteX6" fmla="*/ 0 w 3531638"/>
+              <a:gd name="connsiteY6" fmla="*/ 9939 h 2842591"/>
+              <a:gd name="connsiteX0" fmla="*/ 69574 w 3531638"/>
+              <a:gd name="connsiteY0" fmla="*/ 0 h 2842591"/>
+              <a:gd name="connsiteX1" fmla="*/ 2526163 w 3531638"/>
+              <a:gd name="connsiteY1" fmla="*/ 0 h 2842591"/>
+              <a:gd name="connsiteX2" fmla="*/ 3531638 w 3531638"/>
+              <a:gd name="connsiteY2" fmla="*/ 1406387 h 2842591"/>
+              <a:gd name="connsiteX3" fmla="*/ 2476467 w 3531638"/>
+              <a:gd name="connsiteY3" fmla="*/ 2842591 h 2842591"/>
+              <a:gd name="connsiteX4" fmla="*/ 0 w 3531638"/>
+              <a:gd name="connsiteY4" fmla="*/ 2842591 h 2842591"/>
+              <a:gd name="connsiteX5" fmla="*/ 995537 w 3531638"/>
+              <a:gd name="connsiteY5" fmla="*/ 1406387 h 2842591"/>
+              <a:gd name="connsiteX6" fmla="*/ 69574 w 3531638"/>
+              <a:gd name="connsiteY6" fmla="*/ 0 h 2842591"/>
+              <a:gd name="connsiteX0" fmla="*/ 69574 w 3531638"/>
+              <a:gd name="connsiteY0" fmla="*/ 0 h 2842591"/>
+              <a:gd name="connsiteX1" fmla="*/ 2526163 w 3531638"/>
+              <a:gd name="connsiteY1" fmla="*/ 0 h 2842591"/>
+              <a:gd name="connsiteX2" fmla="*/ 3531638 w 3531638"/>
+              <a:gd name="connsiteY2" fmla="*/ 1406387 h 2842591"/>
+              <a:gd name="connsiteX3" fmla="*/ 2476467 w 3531638"/>
+              <a:gd name="connsiteY3" fmla="*/ 2842591 h 2842591"/>
+              <a:gd name="connsiteX4" fmla="*/ 0 w 3531638"/>
+              <a:gd name="connsiteY4" fmla="*/ 2842591 h 2842591"/>
+              <a:gd name="connsiteX5" fmla="*/ 894191 w 3531638"/>
+              <a:gd name="connsiteY5" fmla="*/ 1406387 h 2842591"/>
+              <a:gd name="connsiteX6" fmla="*/ 69574 w 3531638"/>
+              <a:gd name="connsiteY6" fmla="*/ 0 h 2842591"/>
+              <a:gd name="connsiteX0" fmla="*/ 69574 w 3531638"/>
+              <a:gd name="connsiteY0" fmla="*/ 0 h 2842591"/>
+              <a:gd name="connsiteX1" fmla="*/ 2861388 w 3531638"/>
+              <a:gd name="connsiteY1" fmla="*/ 0 h 2842591"/>
+              <a:gd name="connsiteX2" fmla="*/ 3531638 w 3531638"/>
+              <a:gd name="connsiteY2" fmla="*/ 1406387 h 2842591"/>
+              <a:gd name="connsiteX3" fmla="*/ 2476467 w 3531638"/>
+              <a:gd name="connsiteY3" fmla="*/ 2842591 h 2842591"/>
+              <a:gd name="connsiteX4" fmla="*/ 0 w 3531638"/>
+              <a:gd name="connsiteY4" fmla="*/ 2842591 h 2842591"/>
+              <a:gd name="connsiteX5" fmla="*/ 894191 w 3531638"/>
+              <a:gd name="connsiteY5" fmla="*/ 1406387 h 2842591"/>
+              <a:gd name="connsiteX6" fmla="*/ 69574 w 3531638"/>
+              <a:gd name="connsiteY6" fmla="*/ 0 h 2842591"/>
+              <a:gd name="connsiteX0" fmla="*/ 69574 w 3531638"/>
+              <a:gd name="connsiteY0" fmla="*/ 0 h 2842591"/>
+              <a:gd name="connsiteX1" fmla="*/ 2861388 w 3531638"/>
+              <a:gd name="connsiteY1" fmla="*/ 0 h 2842591"/>
+              <a:gd name="connsiteX2" fmla="*/ 3531638 w 3531638"/>
+              <a:gd name="connsiteY2" fmla="*/ 1406387 h 2842591"/>
+              <a:gd name="connsiteX3" fmla="*/ 2827284 w 3531638"/>
+              <a:gd name="connsiteY3" fmla="*/ 2832652 h 2842591"/>
+              <a:gd name="connsiteX4" fmla="*/ 0 w 3531638"/>
+              <a:gd name="connsiteY4" fmla="*/ 2842591 h 2842591"/>
+              <a:gd name="connsiteX5" fmla="*/ 894191 w 3531638"/>
+              <a:gd name="connsiteY5" fmla="*/ 1406387 h 2842591"/>
+              <a:gd name="connsiteX6" fmla="*/ 69574 w 3531638"/>
+              <a:gd name="connsiteY6" fmla="*/ 0 h 2842591"/>
+              <a:gd name="connsiteX0" fmla="*/ 69574 w 3531638"/>
+              <a:gd name="connsiteY0" fmla="*/ 0 h 2842591"/>
+              <a:gd name="connsiteX1" fmla="*/ 2861388 w 3531638"/>
+              <a:gd name="connsiteY1" fmla="*/ 0 h 2842591"/>
+              <a:gd name="connsiteX2" fmla="*/ 3531638 w 3531638"/>
+              <a:gd name="connsiteY2" fmla="*/ 1406387 h 2842591"/>
+              <a:gd name="connsiteX3" fmla="*/ 2757120 w 3531638"/>
+              <a:gd name="connsiteY3" fmla="*/ 2822713 h 2842591"/>
+              <a:gd name="connsiteX4" fmla="*/ 0 w 3531638"/>
+              <a:gd name="connsiteY4" fmla="*/ 2842591 h 2842591"/>
+              <a:gd name="connsiteX5" fmla="*/ 894191 w 3531638"/>
+              <a:gd name="connsiteY5" fmla="*/ 1406387 h 2842591"/>
+              <a:gd name="connsiteX6" fmla="*/ 69574 w 3531638"/>
+              <a:gd name="connsiteY6" fmla="*/ 0 h 2842591"/>
+              <a:gd name="connsiteX0" fmla="*/ 69574 w 3531638"/>
+              <a:gd name="connsiteY0" fmla="*/ 0 h 2842591"/>
+              <a:gd name="connsiteX1" fmla="*/ 2861388 w 3531638"/>
+              <a:gd name="connsiteY1" fmla="*/ 0 h 2842591"/>
+              <a:gd name="connsiteX2" fmla="*/ 3531638 w 3531638"/>
+              <a:gd name="connsiteY2" fmla="*/ 1406387 h 2842591"/>
+              <a:gd name="connsiteX3" fmla="*/ 2788303 w 3531638"/>
+              <a:gd name="connsiteY3" fmla="*/ 2802835 h 2842591"/>
+              <a:gd name="connsiteX4" fmla="*/ 0 w 3531638"/>
+              <a:gd name="connsiteY4" fmla="*/ 2842591 h 2842591"/>
+              <a:gd name="connsiteX5" fmla="*/ 894191 w 3531638"/>
+              <a:gd name="connsiteY5" fmla="*/ 1406387 h 2842591"/>
+              <a:gd name="connsiteX6" fmla="*/ 69574 w 3531638"/>
+              <a:gd name="connsiteY6" fmla="*/ 0 h 2842591"/>
+              <a:gd name="connsiteX0" fmla="*/ 69574 w 3531638"/>
+              <a:gd name="connsiteY0" fmla="*/ 0 h 2842591"/>
+              <a:gd name="connsiteX1" fmla="*/ 2861388 w 3531638"/>
+              <a:gd name="connsiteY1" fmla="*/ 0 h 2842591"/>
+              <a:gd name="connsiteX2" fmla="*/ 3531638 w 3531638"/>
+              <a:gd name="connsiteY2" fmla="*/ 1406387 h 2842591"/>
+              <a:gd name="connsiteX3" fmla="*/ 2788303 w 3531638"/>
+              <a:gd name="connsiteY3" fmla="*/ 2802835 h 2842591"/>
+              <a:gd name="connsiteX4" fmla="*/ 0 w 3531638"/>
+              <a:gd name="connsiteY4" fmla="*/ 2842591 h 2842591"/>
+              <a:gd name="connsiteX5" fmla="*/ 839621 w 3531638"/>
+              <a:gd name="connsiteY5" fmla="*/ 1406387 h 2842591"/>
+              <a:gd name="connsiteX6" fmla="*/ 69574 w 3531638"/>
+              <a:gd name="connsiteY6" fmla="*/ 0 h 2842591"/>
+            </a:gdLst>
+            <a:ahLst/>
+            <a:cxnLst>
+              <a:cxn ang="0">
+                <a:pos x="connsiteX0" y="connsiteY0"/>
+              </a:cxn>
+              <a:cxn ang="0">
+                <a:pos x="connsiteX1" y="connsiteY1"/>
+              </a:cxn>
+              <a:cxn ang="0">
+                <a:pos x="connsiteX2" y="connsiteY2"/>
+              </a:cxn>
+              <a:cxn ang="0">
+                <a:pos x="connsiteX3" y="connsiteY3"/>
+              </a:cxn>
+              <a:cxn ang="0">
+                <a:pos x="connsiteX4" y="connsiteY4"/>
+              </a:cxn>
+              <a:cxn ang="0">
+                <a:pos x="connsiteX5" y="connsiteY5"/>
+              </a:cxn>
+              <a:cxn ang="0">
+                <a:pos x="connsiteX6" y="connsiteY6"/>
+              </a:cxn>
+            </a:cxnLst>
+            <a:rect l="l" t="t" r="r" b="b"/>
+            <a:pathLst>
+              <a:path w="3531638" h="2842591">
+                <a:moveTo>
+                  <a:pt x="69574" y="0"/>
+                </a:moveTo>
+                <a:lnTo>
+                  <a:pt x="2861388" y="0"/>
+                </a:lnTo>
+                <a:lnTo>
+                  <a:pt x="3531638" y="1406387"/>
+                </a:lnTo>
+                <a:lnTo>
+                  <a:pt x="2788303" y="2802835"/>
+                </a:lnTo>
+                <a:lnTo>
+                  <a:pt x="0" y="2842591"/>
+                </a:lnTo>
+                <a:lnTo>
+                  <a:pt x="839621" y="1406387"/>
+                </a:lnTo>
+                <a:lnTo>
+                  <a:pt x="69574" y="0"/>
+                </a:lnTo>
+                <a:close/>
+              </a:path>
+            </a:pathLst>
+          </a:custGeom>
+          <a:solidFill>
+            <a:schemeClr val="accent1">
+              <a:lumMod val="75000"/>
+            </a:schemeClr>
+          </a:solidFill>
+          <a:ln>
+            <a:noFill/>
+          </a:ln>
+        </p:spPr>
+        <p:style>
+          <a:lnRef idx="2">
+            <a:schemeClr val="accent1">
+              <a:shade val="50000"/>
+            </a:schemeClr>
+          </a:lnRef>
+          <a:fillRef idx="1">
+            <a:schemeClr val="accent1"/>
+          </a:fillRef>
+          <a:effectRef idx="0">
+            <a:schemeClr val="accent1"/>
+          </a:effectRef>
+          <a:fontRef idx="minor">
+            <a:schemeClr val="lt1"/>
+          </a:fontRef>
+        </p:style>
+        <p:txBody>
+          <a:bodyPr rtlCol="0" anchor="ctr"/>
+          <a:lstStyle/>
+          <a:p>
+            <a:pPr algn="ctr"/>
+            <a:endParaRPr lang="zh-CN" altLang="en-US">
+              <a:solidFill>
+                <a:schemeClr val="tx1"/>
+              </a:solidFill>
+            </a:endParaRPr>
+          </a:p>
+        </p:txBody>
+      </p:sp>
+      <p:sp>
+        <p:nvSpPr>
+          <p:cNvPr id="10" name="燕尾形 22">
+            <a:extLst>
+              <a:ext uri="{FF2B5EF4-FFF2-40B4-BE49-F238E27FC236}">
+                <a16:creationId xmlns:a16="http://schemas.microsoft.com/office/drawing/2014/main" id="{96F116C9-7336-43BC-BFF5-4D8048C4255C}"/>
+              </a:ext>
+            </a:extLst>
+          </p:cNvPr>
+          <p:cNvSpPr/>
+          <p:nvPr/>
+        </p:nvSpPr>
+        <p:spPr>
+          <a:xfrm>
+            <a:off x="7702966" y="2351110"/>
+            <a:ext cx="3392491" cy="2832652"/>
+          </a:xfrm>
+          <a:custGeom>
+            <a:avLst/>
+            <a:gdLst>
+              <a:gd name="connsiteX0" fmla="*/ 0 w 2309125"/>
+              <a:gd name="connsiteY0" fmla="*/ 0 h 2832652"/>
+              <a:gd name="connsiteX1" fmla="*/ 1154563 w 2309125"/>
+              <a:gd name="connsiteY1" fmla="*/ 0 h 2832652"/>
+              <a:gd name="connsiteX2" fmla="*/ 2309125 w 2309125"/>
+              <a:gd name="connsiteY2" fmla="*/ 1416326 h 2832652"/>
+              <a:gd name="connsiteX3" fmla="*/ 1154563 w 2309125"/>
+              <a:gd name="connsiteY3" fmla="*/ 2832652 h 2832652"/>
+              <a:gd name="connsiteX4" fmla="*/ 0 w 2309125"/>
+              <a:gd name="connsiteY4" fmla="*/ 2832652 h 2832652"/>
+              <a:gd name="connsiteX5" fmla="*/ 1154563 w 2309125"/>
+              <a:gd name="connsiteY5" fmla="*/ 1416326 h 2832652"/>
+              <a:gd name="connsiteX6" fmla="*/ 0 w 2309125"/>
+              <a:gd name="connsiteY6" fmla="*/ 0 h 2832652"/>
+              <a:gd name="connsiteX0" fmla="*/ 0 w 4058412"/>
+              <a:gd name="connsiteY0" fmla="*/ 0 h 2832652"/>
+              <a:gd name="connsiteX1" fmla="*/ 1154563 w 4058412"/>
+              <a:gd name="connsiteY1" fmla="*/ 0 h 2832652"/>
+              <a:gd name="connsiteX2" fmla="*/ 4058412 w 4058412"/>
+              <a:gd name="connsiteY2" fmla="*/ 1426265 h 2832652"/>
+              <a:gd name="connsiteX3" fmla="*/ 1154563 w 4058412"/>
+              <a:gd name="connsiteY3" fmla="*/ 2832652 h 2832652"/>
+              <a:gd name="connsiteX4" fmla="*/ 0 w 4058412"/>
+              <a:gd name="connsiteY4" fmla="*/ 2832652 h 2832652"/>
+              <a:gd name="connsiteX5" fmla="*/ 1154563 w 4058412"/>
+              <a:gd name="connsiteY5" fmla="*/ 1416326 h 2832652"/>
+              <a:gd name="connsiteX6" fmla="*/ 0 w 4058412"/>
+              <a:gd name="connsiteY6" fmla="*/ 0 h 2832652"/>
+              <a:gd name="connsiteX0" fmla="*/ 0 w 3531638"/>
+              <a:gd name="connsiteY0" fmla="*/ 0 h 2832652"/>
+              <a:gd name="connsiteX1" fmla="*/ 1154563 w 3531638"/>
+              <a:gd name="connsiteY1" fmla="*/ 0 h 2832652"/>
+              <a:gd name="connsiteX2" fmla="*/ 3531638 w 3531638"/>
+              <a:gd name="connsiteY2" fmla="*/ 1396448 h 2832652"/>
+              <a:gd name="connsiteX3" fmla="*/ 1154563 w 3531638"/>
+              <a:gd name="connsiteY3" fmla="*/ 2832652 h 2832652"/>
+              <a:gd name="connsiteX4" fmla="*/ 0 w 3531638"/>
+              <a:gd name="connsiteY4" fmla="*/ 2832652 h 2832652"/>
+              <a:gd name="connsiteX5" fmla="*/ 1154563 w 3531638"/>
+              <a:gd name="connsiteY5" fmla="*/ 1416326 h 2832652"/>
+              <a:gd name="connsiteX6" fmla="*/ 0 w 3531638"/>
+              <a:gd name="connsiteY6" fmla="*/ 0 h 2832652"/>
+              <a:gd name="connsiteX0" fmla="*/ 0 w 3531638"/>
+              <a:gd name="connsiteY0" fmla="*/ 0 h 2832652"/>
+              <a:gd name="connsiteX1" fmla="*/ 2178294 w 3531638"/>
+              <a:gd name="connsiteY1" fmla="*/ 0 h 2832652"/>
+              <a:gd name="connsiteX2" fmla="*/ 3531638 w 3531638"/>
+              <a:gd name="connsiteY2" fmla="*/ 1396448 h 2832652"/>
+              <a:gd name="connsiteX3" fmla="*/ 1154563 w 3531638"/>
+              <a:gd name="connsiteY3" fmla="*/ 2832652 h 2832652"/>
+              <a:gd name="connsiteX4" fmla="*/ 0 w 3531638"/>
+              <a:gd name="connsiteY4" fmla="*/ 2832652 h 2832652"/>
+              <a:gd name="connsiteX5" fmla="*/ 1154563 w 3531638"/>
+              <a:gd name="connsiteY5" fmla="*/ 1416326 h 2832652"/>
+              <a:gd name="connsiteX6" fmla="*/ 0 w 3531638"/>
+              <a:gd name="connsiteY6" fmla="*/ 0 h 2832652"/>
+              <a:gd name="connsiteX0" fmla="*/ 0 w 3531638"/>
+              <a:gd name="connsiteY0" fmla="*/ 0 h 2832652"/>
+              <a:gd name="connsiteX1" fmla="*/ 2178294 w 3531638"/>
+              <a:gd name="connsiteY1" fmla="*/ 0 h 2832652"/>
+              <a:gd name="connsiteX2" fmla="*/ 3531638 w 3531638"/>
+              <a:gd name="connsiteY2" fmla="*/ 1396448 h 2832652"/>
+              <a:gd name="connsiteX3" fmla="*/ 2128597 w 3531638"/>
+              <a:gd name="connsiteY3" fmla="*/ 2832652 h 2832652"/>
+              <a:gd name="connsiteX4" fmla="*/ 0 w 3531638"/>
+              <a:gd name="connsiteY4" fmla="*/ 2832652 h 2832652"/>
+              <a:gd name="connsiteX5" fmla="*/ 1154563 w 3531638"/>
+              <a:gd name="connsiteY5" fmla="*/ 1416326 h 2832652"/>
+              <a:gd name="connsiteX6" fmla="*/ 0 w 3531638"/>
+              <a:gd name="connsiteY6" fmla="*/ 0 h 2832652"/>
+              <a:gd name="connsiteX0" fmla="*/ 0 w 3531638"/>
+              <a:gd name="connsiteY0" fmla="*/ 0 h 2832652"/>
+              <a:gd name="connsiteX1" fmla="*/ 2178294 w 3531638"/>
+              <a:gd name="connsiteY1" fmla="*/ 0 h 2832652"/>
+              <a:gd name="connsiteX2" fmla="*/ 3531638 w 3531638"/>
+              <a:gd name="connsiteY2" fmla="*/ 1396448 h 2832652"/>
+              <a:gd name="connsiteX3" fmla="*/ 2178293 w 3531638"/>
+              <a:gd name="connsiteY3" fmla="*/ 2832652 h 2832652"/>
+              <a:gd name="connsiteX4" fmla="*/ 0 w 3531638"/>
+              <a:gd name="connsiteY4" fmla="*/ 2832652 h 2832652"/>
+              <a:gd name="connsiteX5" fmla="*/ 1154563 w 3531638"/>
+              <a:gd name="connsiteY5" fmla="*/ 1416326 h 2832652"/>
+              <a:gd name="connsiteX6" fmla="*/ 0 w 3531638"/>
+              <a:gd name="connsiteY6" fmla="*/ 0 h 2832652"/>
+              <a:gd name="connsiteX0" fmla="*/ 0 w 3531638"/>
+              <a:gd name="connsiteY0" fmla="*/ 0 h 2832652"/>
+              <a:gd name="connsiteX1" fmla="*/ 2178294 w 3531638"/>
+              <a:gd name="connsiteY1" fmla="*/ 0 h 2832652"/>
+              <a:gd name="connsiteX2" fmla="*/ 3531638 w 3531638"/>
+              <a:gd name="connsiteY2" fmla="*/ 1396448 h 2832652"/>
+              <a:gd name="connsiteX3" fmla="*/ 2178293 w 3531638"/>
+              <a:gd name="connsiteY3" fmla="*/ 2832652 h 2832652"/>
+              <a:gd name="connsiteX4" fmla="*/ 0 w 3531638"/>
+              <a:gd name="connsiteY4" fmla="*/ 2832652 h 2832652"/>
+              <a:gd name="connsiteX5" fmla="*/ 935902 w 3531638"/>
+              <a:gd name="connsiteY5" fmla="*/ 1386509 h 2832652"/>
+              <a:gd name="connsiteX6" fmla="*/ 0 w 3531638"/>
+              <a:gd name="connsiteY6" fmla="*/ 0 h 2832652"/>
+              <a:gd name="connsiteX0" fmla="*/ 0 w 3283160"/>
+              <a:gd name="connsiteY0" fmla="*/ 0 h 2832652"/>
+              <a:gd name="connsiteX1" fmla="*/ 2178294 w 3283160"/>
+              <a:gd name="connsiteY1" fmla="*/ 0 h 2832652"/>
+              <a:gd name="connsiteX2" fmla="*/ 3283160 w 3283160"/>
+              <a:gd name="connsiteY2" fmla="*/ 1396448 h 2832652"/>
+              <a:gd name="connsiteX3" fmla="*/ 2178293 w 3283160"/>
+              <a:gd name="connsiteY3" fmla="*/ 2832652 h 2832652"/>
+              <a:gd name="connsiteX4" fmla="*/ 0 w 3283160"/>
+              <a:gd name="connsiteY4" fmla="*/ 2832652 h 2832652"/>
+              <a:gd name="connsiteX5" fmla="*/ 935902 w 3283160"/>
+              <a:gd name="connsiteY5" fmla="*/ 1386509 h 2832652"/>
+              <a:gd name="connsiteX6" fmla="*/ 0 w 3283160"/>
+              <a:gd name="connsiteY6" fmla="*/ 0 h 2832652"/>
+              <a:gd name="connsiteX0" fmla="*/ 69574 w 3352734"/>
+              <a:gd name="connsiteY0" fmla="*/ 0 h 2832652"/>
+              <a:gd name="connsiteX1" fmla="*/ 2247868 w 3352734"/>
+              <a:gd name="connsiteY1" fmla="*/ 0 h 2832652"/>
+              <a:gd name="connsiteX2" fmla="*/ 3352734 w 3352734"/>
+              <a:gd name="connsiteY2" fmla="*/ 1396448 h 2832652"/>
+              <a:gd name="connsiteX3" fmla="*/ 2247867 w 3352734"/>
+              <a:gd name="connsiteY3" fmla="*/ 2832652 h 2832652"/>
+              <a:gd name="connsiteX4" fmla="*/ 0 w 3352734"/>
+              <a:gd name="connsiteY4" fmla="*/ 2832652 h 2832652"/>
+              <a:gd name="connsiteX5" fmla="*/ 1005476 w 3352734"/>
+              <a:gd name="connsiteY5" fmla="*/ 1386509 h 2832652"/>
+              <a:gd name="connsiteX6" fmla="*/ 69574 w 3352734"/>
+              <a:gd name="connsiteY6" fmla="*/ 0 h 2832652"/>
+              <a:gd name="connsiteX0" fmla="*/ 69574 w 3352734"/>
+              <a:gd name="connsiteY0" fmla="*/ 0 h 2832652"/>
+              <a:gd name="connsiteX1" fmla="*/ 2247868 w 3352734"/>
+              <a:gd name="connsiteY1" fmla="*/ 0 h 2832652"/>
+              <a:gd name="connsiteX2" fmla="*/ 3352734 w 3352734"/>
+              <a:gd name="connsiteY2" fmla="*/ 1396448 h 2832652"/>
+              <a:gd name="connsiteX3" fmla="*/ 2247867 w 3352734"/>
+              <a:gd name="connsiteY3" fmla="*/ 2832652 h 2832652"/>
+              <a:gd name="connsiteX4" fmla="*/ 0 w 3352734"/>
+              <a:gd name="connsiteY4" fmla="*/ 2832652 h 2832652"/>
+              <a:gd name="connsiteX5" fmla="*/ 935902 w 3352734"/>
+              <a:gd name="connsiteY5" fmla="*/ 1386509 h 2832652"/>
+              <a:gd name="connsiteX6" fmla="*/ 69574 w 3352734"/>
+              <a:gd name="connsiteY6" fmla="*/ 0 h 2832652"/>
+              <a:gd name="connsiteX0" fmla="*/ 109331 w 3392491"/>
+              <a:gd name="connsiteY0" fmla="*/ 0 h 2832652"/>
+              <a:gd name="connsiteX1" fmla="*/ 2287625 w 3392491"/>
+              <a:gd name="connsiteY1" fmla="*/ 0 h 2832652"/>
+              <a:gd name="connsiteX2" fmla="*/ 3392491 w 3392491"/>
+              <a:gd name="connsiteY2" fmla="*/ 1396448 h 2832652"/>
+              <a:gd name="connsiteX3" fmla="*/ 2287624 w 3392491"/>
+              <a:gd name="connsiteY3" fmla="*/ 2832652 h 2832652"/>
+              <a:gd name="connsiteX4" fmla="*/ 0 w 3392491"/>
+              <a:gd name="connsiteY4" fmla="*/ 2832652 h 2832652"/>
+              <a:gd name="connsiteX5" fmla="*/ 975659 w 3392491"/>
+              <a:gd name="connsiteY5" fmla="*/ 1386509 h 2832652"/>
+              <a:gd name="connsiteX6" fmla="*/ 109331 w 3392491"/>
+              <a:gd name="connsiteY6" fmla="*/ 0 h 2832652"/>
+              <a:gd name="connsiteX0" fmla="*/ 109331 w 3392491"/>
+              <a:gd name="connsiteY0" fmla="*/ 0 h 2832652"/>
+              <a:gd name="connsiteX1" fmla="*/ 2377077 w 3392491"/>
+              <a:gd name="connsiteY1" fmla="*/ 0 h 2832652"/>
+              <a:gd name="connsiteX2" fmla="*/ 3392491 w 3392491"/>
+              <a:gd name="connsiteY2" fmla="*/ 1396448 h 2832652"/>
+              <a:gd name="connsiteX3" fmla="*/ 2287624 w 3392491"/>
+              <a:gd name="connsiteY3" fmla="*/ 2832652 h 2832652"/>
+              <a:gd name="connsiteX4" fmla="*/ 0 w 3392491"/>
+              <a:gd name="connsiteY4" fmla="*/ 2832652 h 2832652"/>
+              <a:gd name="connsiteX5" fmla="*/ 975659 w 3392491"/>
+              <a:gd name="connsiteY5" fmla="*/ 1386509 h 2832652"/>
+              <a:gd name="connsiteX6" fmla="*/ 109331 w 3392491"/>
+              <a:gd name="connsiteY6" fmla="*/ 0 h 2832652"/>
+              <a:gd name="connsiteX0" fmla="*/ 109331 w 3392491"/>
+              <a:gd name="connsiteY0" fmla="*/ 0 h 2832652"/>
+              <a:gd name="connsiteX1" fmla="*/ 2377077 w 3392491"/>
+              <a:gd name="connsiteY1" fmla="*/ 0 h 2832652"/>
+              <a:gd name="connsiteX2" fmla="*/ 3392491 w 3392491"/>
+              <a:gd name="connsiteY2" fmla="*/ 1396448 h 2832652"/>
+              <a:gd name="connsiteX3" fmla="*/ 2387015 w 3392491"/>
+              <a:gd name="connsiteY3" fmla="*/ 2832652 h 2832652"/>
+              <a:gd name="connsiteX4" fmla="*/ 0 w 3392491"/>
+              <a:gd name="connsiteY4" fmla="*/ 2832652 h 2832652"/>
+              <a:gd name="connsiteX5" fmla="*/ 975659 w 3392491"/>
+              <a:gd name="connsiteY5" fmla="*/ 1386509 h 2832652"/>
+              <a:gd name="connsiteX6" fmla="*/ 109331 w 3392491"/>
+              <a:gd name="connsiteY6" fmla="*/ 0 h 2832652"/>
+            </a:gdLst>
+            <a:ahLst/>
+            <a:cxnLst>
+              <a:cxn ang="0">
+                <a:pos x="connsiteX0" y="connsiteY0"/>
+              </a:cxn>
+              <a:cxn ang="0">
+                <a:pos x="connsiteX1" y="connsiteY1"/>
+              </a:cxn>
+              <a:cxn ang="0">
+                <a:pos x="connsiteX2" y="connsiteY2"/>
+              </a:cxn>
+              <a:cxn ang="0">
+                <a:pos x="connsiteX3" y="connsiteY3"/>
+              </a:cxn>
+              <a:cxn ang="0">
+                <a:pos x="connsiteX4" y="connsiteY4"/>
+              </a:cxn>
+              <a:cxn ang="0">
+                <a:pos x="connsiteX5" y="connsiteY5"/>
+              </a:cxn>
+              <a:cxn ang="0">
+                <a:pos x="connsiteX6" y="connsiteY6"/>
+              </a:cxn>
+            </a:cxnLst>
+            <a:rect l="l" t="t" r="r" b="b"/>
+            <a:pathLst>
+              <a:path w="3392491" h="2832652">
+                <a:moveTo>
+                  <a:pt x="109331" y="0"/>
+                </a:moveTo>
+                <a:lnTo>
+                  <a:pt x="2377077" y="0"/>
+                </a:lnTo>
+                <a:lnTo>
+                  <a:pt x="3392491" y="1396448"/>
+                </a:lnTo>
+                <a:lnTo>
+                  <a:pt x="2387015" y="2832652"/>
+                </a:lnTo>
+                <a:lnTo>
+                  <a:pt x="0" y="2832652"/>
+                </a:lnTo>
+                <a:lnTo>
+                  <a:pt x="975659" y="1386509"/>
+                </a:lnTo>
+                <a:lnTo>
+                  <a:pt x="109331" y="0"/>
+                </a:lnTo>
+                <a:close/>
+              </a:path>
+            </a:pathLst>
+          </a:custGeom>
+          <a:solidFill>
+            <a:srgbClr val="004EA2"/>
+          </a:solidFill>
+          <a:ln>
+            <a:noFill/>
+          </a:ln>
+        </p:spPr>
+        <p:style>
+          <a:lnRef idx="2">
+            <a:schemeClr val="accent1">
+              <a:shade val="50000"/>
+            </a:schemeClr>
+          </a:lnRef>
+          <a:fillRef idx="1">
+            <a:schemeClr val="accent1"/>
+          </a:fillRef>
+          <a:effectRef idx="0">
+            <a:schemeClr val="accent1"/>
+          </a:effectRef>
+          <a:fontRef idx="minor">
+            <a:schemeClr val="lt1"/>
+          </a:fontRef>
+        </p:style>
+        <p:txBody>
+          <a:bodyPr rtlCol="0" anchor="ctr"/>
+          <a:lstStyle/>
+          <a:p>
+            <a:pPr algn="ctr"/>
+            <a:endParaRPr lang="zh-CN" altLang="en-US">
+              <a:solidFill>
+                <a:schemeClr val="tx1"/>
+              </a:solidFill>
+            </a:endParaRPr>
+          </a:p>
+        </p:txBody>
+      </p:sp>
+      <p:sp>
+        <p:nvSpPr>
+          <p:cNvPr id="11" name="文本框 7">
+            <a:extLst>
+              <a:ext uri="{FF2B5EF4-FFF2-40B4-BE49-F238E27FC236}">
+                <a16:creationId xmlns:a16="http://schemas.microsoft.com/office/drawing/2014/main" id="{1D6DFC0F-A03C-4CB8-B5A1-5F34E94AEFD7}"/>
+              </a:ext>
+            </a:extLst>
+          </p:cNvPr>
+          <p:cNvSpPr txBox="1"/>
+          <p:nvPr/>
+        </p:nvSpPr>
+        <p:spPr>
+          <a:xfrm>
+            <a:off x="987700" y="1185823"/>
+            <a:ext cx="1497083" cy="588046"/>
+          </a:xfrm>
+          <a:prstGeom prst="rect">
+            <a:avLst/>
+          </a:prstGeom>
+          <a:noFill/>
+        </p:spPr>
+        <p:txBody>
+          <a:bodyPr wrap="square" rtlCol="0">
+            <a:spAutoFit/>
+          </a:bodyPr>
+          <a:lstStyle/>
+          <a:p>
+            <a:pPr algn="l">
+              <a:lnSpc>
+                <a:spcPct val="150000"/>
+              </a:lnSpc>
+            </a:pPr>
+            <a:r>
+              <a:rPr lang="zh-CN" altLang="en-US" sz="2400" b="1" dirty="0">
+                <a:solidFill>
+                  <a:srgbClr val="004EA2"/>
+                </a:solidFill>
+                <a:latin typeface="思源黑体 CN Bold" pitchFamily="34" charset="-122"/>
+                <a:ea typeface="思源黑体 CN Bold" pitchFamily="34" charset="-122"/>
+                <a:sym typeface="+mn-ea"/>
+              </a:rPr>
+              <a:t>实施阶段</a:t>
+            </a:r>
+            <a:endParaRPr lang="zh-CN" altLang="zh-CN" sz="2400" b="1" dirty="0">
+              <a:solidFill>
+                <a:srgbClr val="004EA2"/>
+              </a:solidFill>
+              <a:latin typeface="思源黑体 CN Bold" pitchFamily="34" charset="-122"/>
+              <a:ea typeface="思源黑体 CN Bold" pitchFamily="34" charset="-122"/>
+              <a:sym typeface="+mn-ea"/>
+            </a:endParaRPr>
+          </a:p>
+        </p:txBody>
+      </p:sp>
+      <p:sp>
+        <p:nvSpPr>
+          <p:cNvPr id="12" name="等腰三角形 11">
+            <a:extLst>
+              <a:ext uri="{FF2B5EF4-FFF2-40B4-BE49-F238E27FC236}">
+                <a16:creationId xmlns:a16="http://schemas.microsoft.com/office/drawing/2014/main" id="{694C5638-5797-443F-AA69-D8CC9A46FB2D}"/>
+              </a:ext>
+            </a:extLst>
+          </p:cNvPr>
+          <p:cNvSpPr/>
+          <p:nvPr/>
+        </p:nvSpPr>
+        <p:spPr>
+          <a:xfrm rot="5400000">
+            <a:off x="698120" y="1416453"/>
+            <a:ext cx="230744" cy="198917"/>
+          </a:xfrm>
+          <a:prstGeom prst="triangle">
+            <a:avLst/>
+          </a:prstGeom>
+          <a:solidFill>
+            <a:srgbClr val="004EA2"/>
+          </a:solidFill>
+          <a:ln>
+            <a:noFill/>
+          </a:ln>
+        </p:spPr>
+        <p:style>
+          <a:lnRef idx="2">
+            <a:schemeClr val="accent1">
+              <a:shade val="50000"/>
+            </a:schemeClr>
+          </a:lnRef>
+          <a:fillRef idx="1">
+            <a:schemeClr val="accent1"/>
+          </a:fillRef>
+          <a:effectRef idx="0">
+            <a:schemeClr val="accent1"/>
+          </a:effectRef>
+          <a:fontRef idx="minor">
+            <a:schemeClr val="lt1"/>
+          </a:fontRef>
+        </p:style>
+        <p:txBody>
+          <a:bodyPr rtlCol="0" anchor="ctr"/>
+          <a:lstStyle/>
+          <a:p>
+            <a:pPr algn="ctr"/>
+            <a:endParaRPr lang="zh-CN" altLang="en-US"/>
+          </a:p>
+        </p:txBody>
+      </p:sp>
+      <p:sp>
+        <p:nvSpPr>
+          <p:cNvPr id="13" name="TextBox 10">
+            <a:extLst>
+              <a:ext uri="{FF2B5EF4-FFF2-40B4-BE49-F238E27FC236}">
+                <a16:creationId xmlns:a16="http://schemas.microsoft.com/office/drawing/2014/main" id="{7C5D300E-668D-4A19-B7AF-1D8BD3AE4F84}"/>
+              </a:ext>
+            </a:extLst>
+          </p:cNvPr>
+          <p:cNvSpPr txBox="1"/>
+          <p:nvPr/>
+        </p:nvSpPr>
+        <p:spPr>
+          <a:xfrm>
+            <a:off x="2286619" y="3482873"/>
+            <a:ext cx="1569660" cy="369332"/>
+          </a:xfrm>
+          <a:prstGeom prst="rect">
+            <a:avLst/>
+          </a:prstGeom>
+          <a:noFill/>
+        </p:spPr>
+        <p:txBody>
+          <a:bodyPr wrap="none" rtlCol="0">
+            <a:spAutoFit/>
+          </a:bodyPr>
+          <a:lstStyle/>
+          <a:p>
+            <a:r>
+              <a:rPr lang="zh-CN" altLang="zh-CN" dirty="0">
+                <a:solidFill>
+                  <a:schemeClr val="bg1"/>
+                </a:solidFill>
+                <a:latin typeface="思源黑体 CN Medium" pitchFamily="34" charset="-122"/>
+                <a:ea typeface="思源黑体 CN Medium" pitchFamily="34" charset="-122"/>
+                <a:sym typeface="+mn-ea"/>
+              </a:rPr>
+              <a:t>组织宣传阶段</a:t>
+            </a:r>
+            <a:endParaRPr lang="zh-CN" altLang="en-US" dirty="0">
+              <a:solidFill>
+                <a:schemeClr val="bg1"/>
+              </a:solidFill>
+              <a:latin typeface="思源黑体 CN Medium" pitchFamily="34" charset="-122"/>
+              <a:ea typeface="思源黑体 CN Medium" pitchFamily="34" charset="-122"/>
+            </a:endParaRPr>
+          </a:p>
+        </p:txBody>
+      </p:sp>
+      <p:sp>
+        <p:nvSpPr>
+          <p:cNvPr id="14" name="TextBox 11">
+            <a:extLst>
+              <a:ext uri="{FF2B5EF4-FFF2-40B4-BE49-F238E27FC236}">
+                <a16:creationId xmlns:a16="http://schemas.microsoft.com/office/drawing/2014/main" id="{0E908A2A-54FB-4B0C-9EE7-F6A904D2BE15}"/>
+              </a:ext>
+            </a:extLst>
+          </p:cNvPr>
+          <p:cNvSpPr txBox="1"/>
+          <p:nvPr/>
+        </p:nvSpPr>
+        <p:spPr>
+          <a:xfrm>
+            <a:off x="5323838" y="3061939"/>
+            <a:ext cx="2031325" cy="1338828"/>
+          </a:xfrm>
+          <a:prstGeom prst="rect">
+            <a:avLst/>
+          </a:prstGeom>
+          <a:noFill/>
+        </p:spPr>
+        <p:txBody>
+          <a:bodyPr wrap="none" rtlCol="0">
+            <a:spAutoFit/>
+          </a:bodyPr>
+          <a:lstStyle/>
+          <a:p>
+            <a:pPr algn="ctr">
+              <a:lnSpc>
+                <a:spcPct val="150000"/>
+              </a:lnSpc>
+            </a:pPr>
+            <a:r>
+              <a:rPr lang="zh-CN" altLang="zh-CN" dirty="0">
+                <a:solidFill>
+                  <a:schemeClr val="bg1"/>
+                </a:solidFill>
+                <a:latin typeface="思源黑体 CN Medium" pitchFamily="34" charset="-122"/>
+                <a:ea typeface="思源黑体 CN Medium" pitchFamily="34" charset="-122"/>
+                <a:sym typeface="+mn-ea"/>
+              </a:rPr>
+              <a:t>建立垃圾分类引导</a:t>
+            </a:r>
+            <a:endParaRPr lang="en-US" altLang="zh-CN" dirty="0">
+              <a:solidFill>
+                <a:schemeClr val="bg1"/>
+              </a:solidFill>
+              <a:latin typeface="思源黑体 CN Medium" pitchFamily="34" charset="-122"/>
+              <a:ea typeface="思源黑体 CN Medium" pitchFamily="34" charset="-122"/>
+              <a:sym typeface="+mn-ea"/>
+            </a:endParaRPr>
+          </a:p>
+          <a:p>
+            <a:pPr algn="ctr">
+              <a:lnSpc>
+                <a:spcPct val="150000"/>
+              </a:lnSpc>
+            </a:pPr>
+            <a:r>
+              <a:rPr lang="zh-CN" altLang="zh-CN" dirty="0">
+                <a:solidFill>
+                  <a:schemeClr val="bg1"/>
+                </a:solidFill>
+                <a:latin typeface="思源黑体 CN Medium" pitchFamily="34" charset="-122"/>
+                <a:ea typeface="思源黑体 CN Medium" pitchFamily="34" charset="-122"/>
+                <a:sym typeface="+mn-ea"/>
+              </a:rPr>
+              <a:t>督导员队伍</a:t>
+            </a:r>
+            <a:endParaRPr lang="en-US" altLang="zh-CN" dirty="0">
+              <a:solidFill>
+                <a:schemeClr val="bg1"/>
+              </a:solidFill>
+              <a:latin typeface="思源黑体 CN Medium" pitchFamily="34" charset="-122"/>
+              <a:ea typeface="思源黑体 CN Medium" pitchFamily="34" charset="-122"/>
+              <a:sym typeface="+mn-ea"/>
+            </a:endParaRPr>
+          </a:p>
+          <a:p>
+            <a:pPr algn="ctr">
+              <a:lnSpc>
+                <a:spcPct val="150000"/>
+              </a:lnSpc>
+            </a:pPr>
+            <a:r>
+              <a:rPr lang="zh-CN" altLang="zh-CN" dirty="0">
+                <a:solidFill>
+                  <a:schemeClr val="bg1"/>
+                </a:solidFill>
+                <a:latin typeface="思源黑体 CN Medium" pitchFamily="34" charset="-122"/>
+                <a:ea typeface="思源黑体 CN Medium" pitchFamily="34" charset="-122"/>
+                <a:sym typeface="+mn-ea"/>
+              </a:rPr>
+              <a:t>完成基础设施阶段</a:t>
+            </a:r>
+            <a:endParaRPr lang="zh-CN" altLang="en-US" dirty="0">
+              <a:solidFill>
+                <a:schemeClr val="bg1"/>
+              </a:solidFill>
+              <a:latin typeface="思源黑体 CN Medium" pitchFamily="34" charset="-122"/>
+              <a:ea typeface="思源黑体 CN Medium" pitchFamily="34" charset="-122"/>
+            </a:endParaRPr>
+          </a:p>
+        </p:txBody>
+      </p:sp>
+      <p:sp>
+        <p:nvSpPr>
+          <p:cNvPr id="15" name="TextBox 12">
+            <a:extLst>
+              <a:ext uri="{FF2B5EF4-FFF2-40B4-BE49-F238E27FC236}">
+                <a16:creationId xmlns:a16="http://schemas.microsoft.com/office/drawing/2014/main" id="{8AB98469-E16D-46BC-BD8E-E39AD037705F}"/>
+              </a:ext>
+            </a:extLst>
+          </p:cNvPr>
+          <p:cNvSpPr txBox="1"/>
+          <p:nvPr/>
+        </p:nvSpPr>
+        <p:spPr>
+          <a:xfrm>
+            <a:off x="8994083" y="3491735"/>
+            <a:ext cx="1569660" cy="369332"/>
+          </a:xfrm>
+          <a:prstGeom prst="rect">
+            <a:avLst/>
+          </a:prstGeom>
+          <a:noFill/>
+        </p:spPr>
+        <p:txBody>
+          <a:bodyPr wrap="none" rtlCol="0">
+            <a:spAutoFit/>
+          </a:bodyPr>
+          <a:lstStyle/>
+          <a:p>
+            <a:r>
+              <a:rPr lang="zh-CN" altLang="zh-CN" dirty="0">
+                <a:solidFill>
+                  <a:schemeClr val="bg1"/>
+                </a:solidFill>
+                <a:latin typeface="思源黑体 CN Medium" pitchFamily="34" charset="-122"/>
+                <a:ea typeface="思源黑体 CN Medium" pitchFamily="34" charset="-122"/>
+                <a:sym typeface="+mn-ea"/>
+              </a:rPr>
+              <a:t>全面落实阶段</a:t>
+            </a:r>
+            <a:endParaRPr lang="zh-CN" altLang="en-US" dirty="0">
+              <a:solidFill>
+                <a:schemeClr val="bg1"/>
+              </a:solidFill>
+              <a:latin typeface="思源黑体 CN Medium" pitchFamily="34" charset="-122"/>
+              <a:ea typeface="思源黑体 CN Medium" pitchFamily="34" charset="-122"/>
+            </a:endParaRPr>
+          </a:p>
+        </p:txBody>
+      </p:sp>
+      <p:sp>
+        <p:nvSpPr>
+          <p:cNvPr id="16" name="TextBox 13">
+            <a:extLst>
+              <a:ext uri="{FF2B5EF4-FFF2-40B4-BE49-F238E27FC236}">
+                <a16:creationId xmlns:a16="http://schemas.microsoft.com/office/drawing/2014/main" id="{C24C2E9B-2C54-4445-93CD-D1746B1B7245}"/>
+              </a:ext>
+            </a:extLst>
+          </p:cNvPr>
+          <p:cNvSpPr txBox="1"/>
+          <p:nvPr/>
+        </p:nvSpPr>
+        <p:spPr>
+          <a:xfrm>
+            <a:off x="2062947" y="5343537"/>
+            <a:ext cx="1327608" cy="646331"/>
+          </a:xfrm>
+          <a:prstGeom prst="rect">
+            <a:avLst/>
+          </a:prstGeom>
+          <a:noFill/>
+        </p:spPr>
+        <p:txBody>
+          <a:bodyPr wrap="none" rtlCol="0">
+            <a:spAutoFit/>
+          </a:bodyPr>
+          <a:lstStyle/>
+          <a:p>
+            <a:r>
+              <a:rPr lang="zh-CN" altLang="zh-CN" dirty="0">
+                <a:solidFill>
+                  <a:srgbClr val="004EA2"/>
+                </a:solidFill>
+                <a:latin typeface="思源黑体 CN Bold" pitchFamily="34" charset="-122"/>
+                <a:ea typeface="思源黑体 CN Bold" pitchFamily="34" charset="-122"/>
+                <a:sym typeface="+mn-ea"/>
+              </a:rPr>
+              <a:t>2020年9月</a:t>
+            </a:r>
+            <a:endParaRPr lang="en-US" altLang="zh-CN" dirty="0">
+              <a:solidFill>
+                <a:srgbClr val="004EA2"/>
+              </a:solidFill>
+              <a:latin typeface="思源黑体 CN Bold" pitchFamily="34" charset="-122"/>
+              <a:ea typeface="思源黑体 CN Bold" pitchFamily="34" charset="-122"/>
+              <a:sym typeface="+mn-ea"/>
+            </a:endParaRPr>
+          </a:p>
+          <a:p>
+            <a:r>
+              <a:rPr lang="zh-CN" altLang="zh-CN" dirty="0">
+                <a:solidFill>
+                  <a:srgbClr val="004EA2"/>
+                </a:solidFill>
+                <a:latin typeface="思源黑体 CN Bold" pitchFamily="34" charset="-122"/>
+                <a:ea typeface="思源黑体 CN Bold" pitchFamily="34" charset="-122"/>
+                <a:sym typeface="+mn-ea"/>
+              </a:rPr>
+              <a:t>-10月中旬</a:t>
+            </a:r>
+          </a:p>
+        </p:txBody>
+      </p:sp>
+      <p:sp>
+        <p:nvSpPr>
+          <p:cNvPr id="17" name="TextBox 14">
+            <a:extLst>
+              <a:ext uri="{FF2B5EF4-FFF2-40B4-BE49-F238E27FC236}">
+                <a16:creationId xmlns:a16="http://schemas.microsoft.com/office/drawing/2014/main" id="{DB82F29D-6B6E-47BD-A7C8-C365939179A2}"/>
+              </a:ext>
+            </a:extLst>
+          </p:cNvPr>
+          <p:cNvSpPr txBox="1"/>
+          <p:nvPr/>
+        </p:nvSpPr>
+        <p:spPr>
+          <a:xfrm>
+            <a:off x="4688163" y="5343537"/>
+            <a:ext cx="1737976" cy="646331"/>
+          </a:xfrm>
+          <a:prstGeom prst="rect">
+            <a:avLst/>
+          </a:prstGeom>
+          <a:noFill/>
+        </p:spPr>
+        <p:txBody>
+          <a:bodyPr wrap="none" rtlCol="0">
+            <a:spAutoFit/>
+          </a:bodyPr>
+          <a:lstStyle/>
+          <a:p>
+            <a:pPr algn="ctr"/>
+            <a:r>
+              <a:rPr lang="zh-CN" altLang="zh-CN" dirty="0">
+                <a:solidFill>
+                  <a:srgbClr val="004EA2"/>
+                </a:solidFill>
+                <a:latin typeface="思源黑体 CN Bold" pitchFamily="34" charset="-122"/>
+                <a:ea typeface="思源黑体 CN Bold" pitchFamily="34" charset="-122"/>
+                <a:sym typeface="+mn-ea"/>
+              </a:rPr>
+              <a:t>2020年</a:t>
+            </a:r>
+            <a:endParaRPr lang="en-US" altLang="zh-CN" dirty="0">
+              <a:solidFill>
+                <a:srgbClr val="004EA2"/>
+              </a:solidFill>
+              <a:latin typeface="思源黑体 CN Bold" pitchFamily="34" charset="-122"/>
+              <a:ea typeface="思源黑体 CN Bold" pitchFamily="34" charset="-122"/>
+              <a:sym typeface="+mn-ea"/>
+            </a:endParaRPr>
+          </a:p>
+          <a:p>
+            <a:pPr algn="ctr"/>
+            <a:r>
+              <a:rPr lang="zh-CN" altLang="zh-CN" dirty="0">
+                <a:solidFill>
+                  <a:srgbClr val="004EA2"/>
+                </a:solidFill>
+                <a:latin typeface="思源黑体 CN Bold" pitchFamily="34" charset="-122"/>
+                <a:ea typeface="思源黑体 CN Bold" pitchFamily="34" charset="-122"/>
+                <a:sym typeface="+mn-ea"/>
+              </a:rPr>
+              <a:t>10月下旬-11月</a:t>
+            </a:r>
+            <a:endParaRPr lang="zh-CN" altLang="en-US" dirty="0"/>
+          </a:p>
+        </p:txBody>
+      </p:sp>
+      <p:sp>
+        <p:nvSpPr>
+          <p:cNvPr id="18" name="TextBox 15">
+            <a:extLst>
+              <a:ext uri="{FF2B5EF4-FFF2-40B4-BE49-F238E27FC236}">
+                <a16:creationId xmlns:a16="http://schemas.microsoft.com/office/drawing/2014/main" id="{C64E9942-48E6-4D2B-8750-6C13F033523D}"/>
+              </a:ext>
+            </a:extLst>
+          </p:cNvPr>
+          <p:cNvSpPr txBox="1"/>
+          <p:nvPr/>
+        </p:nvSpPr>
+        <p:spPr>
+          <a:xfrm>
+            <a:off x="8031318" y="5482036"/>
+            <a:ext cx="1925527" cy="369332"/>
+          </a:xfrm>
+          <a:prstGeom prst="rect">
+            <a:avLst/>
+          </a:prstGeom>
+          <a:noFill/>
+        </p:spPr>
+        <p:txBody>
+          <a:bodyPr wrap="none" rtlCol="0">
+            <a:spAutoFit/>
+          </a:bodyPr>
+          <a:lstStyle/>
+          <a:p>
+            <a:r>
+              <a:rPr lang="zh-CN" altLang="zh-CN" dirty="0">
+                <a:solidFill>
+                  <a:srgbClr val="004EA2"/>
+                </a:solidFill>
+                <a:latin typeface="思源黑体 CN Bold" pitchFamily="34" charset="-122"/>
+                <a:ea typeface="思源黑体 CN Bold" pitchFamily="34" charset="-122"/>
+                <a:sym typeface="+mn-ea"/>
+              </a:rPr>
+              <a:t>2020年12月以后</a:t>
+            </a:r>
+            <a:endParaRPr lang="zh-CN" altLang="en-US" dirty="0"/>
+          </a:p>
+        </p:txBody>
+      </p:sp>
+      <p:sp>
+        <p:nvSpPr>
+          <p:cNvPr id="19" name="圆角矩形标注 5">
+            <a:extLst>
+              <a:ext uri="{FF2B5EF4-FFF2-40B4-BE49-F238E27FC236}">
+                <a16:creationId xmlns:a16="http://schemas.microsoft.com/office/drawing/2014/main" id="{A35386A8-53C2-4375-BBCA-FDAC756B47D8}"/>
+              </a:ext>
+            </a:extLst>
+          </p:cNvPr>
+          <p:cNvSpPr/>
+          <p:nvPr/>
+        </p:nvSpPr>
+        <p:spPr>
+          <a:xfrm>
+            <a:off x="4188716" y="6077054"/>
+            <a:ext cx="3633380" cy="785191"/>
+          </a:xfrm>
+          <a:custGeom>
+            <a:avLst/>
+            <a:gdLst>
+              <a:gd name="connsiteX0" fmla="*/ 0 w 4033211"/>
+              <a:gd name="connsiteY0" fmla="*/ 130868 h 785191"/>
+              <a:gd name="connsiteX1" fmla="*/ 130868 w 4033211"/>
+              <a:gd name="connsiteY1" fmla="*/ 0 h 785191"/>
+              <a:gd name="connsiteX2" fmla="*/ 672202 w 4033211"/>
+              <a:gd name="connsiteY2" fmla="*/ 0 h 785191"/>
+              <a:gd name="connsiteX3" fmla="*/ 672202 w 4033211"/>
+              <a:gd name="connsiteY3" fmla="*/ 0 h 785191"/>
+              <a:gd name="connsiteX4" fmla="*/ 1680505 w 4033211"/>
+              <a:gd name="connsiteY4" fmla="*/ 0 h 785191"/>
+              <a:gd name="connsiteX5" fmla="*/ 3902343 w 4033211"/>
+              <a:gd name="connsiteY5" fmla="*/ 0 h 785191"/>
+              <a:gd name="connsiteX6" fmla="*/ 4033211 w 4033211"/>
+              <a:gd name="connsiteY6" fmla="*/ 130868 h 785191"/>
+              <a:gd name="connsiteX7" fmla="*/ 4033211 w 4033211"/>
+              <a:gd name="connsiteY7" fmla="*/ 458028 h 785191"/>
+              <a:gd name="connsiteX8" fmla="*/ 4033211 w 4033211"/>
+              <a:gd name="connsiteY8" fmla="*/ 458028 h 785191"/>
+              <a:gd name="connsiteX9" fmla="*/ 4033211 w 4033211"/>
+              <a:gd name="connsiteY9" fmla="*/ 654326 h 785191"/>
+              <a:gd name="connsiteX10" fmla="*/ 4033211 w 4033211"/>
+              <a:gd name="connsiteY10" fmla="*/ 654323 h 785191"/>
+              <a:gd name="connsiteX11" fmla="*/ 3902343 w 4033211"/>
+              <a:gd name="connsiteY11" fmla="*/ 785191 h 785191"/>
+              <a:gd name="connsiteX12" fmla="*/ 1680505 w 4033211"/>
+              <a:gd name="connsiteY12" fmla="*/ 785191 h 785191"/>
+              <a:gd name="connsiteX13" fmla="*/ 1176367 w 4033211"/>
+              <a:gd name="connsiteY13" fmla="*/ 883340 h 785191"/>
+              <a:gd name="connsiteX14" fmla="*/ 672202 w 4033211"/>
+              <a:gd name="connsiteY14" fmla="*/ 785191 h 785191"/>
+              <a:gd name="connsiteX15" fmla="*/ 130868 w 4033211"/>
+              <a:gd name="connsiteY15" fmla="*/ 785191 h 785191"/>
+              <a:gd name="connsiteX16" fmla="*/ 0 w 4033211"/>
+              <a:gd name="connsiteY16" fmla="*/ 654323 h 785191"/>
+              <a:gd name="connsiteX17" fmla="*/ 0 w 4033211"/>
+              <a:gd name="connsiteY17" fmla="*/ 654326 h 785191"/>
+              <a:gd name="connsiteX18" fmla="*/ 0 w 4033211"/>
+              <a:gd name="connsiteY18" fmla="*/ 458028 h 785191"/>
+              <a:gd name="connsiteX19" fmla="*/ 0 w 4033211"/>
+              <a:gd name="connsiteY19" fmla="*/ 458028 h 785191"/>
+              <a:gd name="connsiteX20" fmla="*/ 0 w 4033211"/>
+              <a:gd name="connsiteY20" fmla="*/ 130868 h 785191"/>
+              <a:gd name="connsiteX0" fmla="*/ 0 w 4033211"/>
+              <a:gd name="connsiteY0" fmla="*/ 130868 h 785191"/>
+              <a:gd name="connsiteX1" fmla="*/ 130868 w 4033211"/>
+              <a:gd name="connsiteY1" fmla="*/ 0 h 785191"/>
+              <a:gd name="connsiteX2" fmla="*/ 672202 w 4033211"/>
+              <a:gd name="connsiteY2" fmla="*/ 0 h 785191"/>
+              <a:gd name="connsiteX3" fmla="*/ 672202 w 4033211"/>
+              <a:gd name="connsiteY3" fmla="*/ 0 h 785191"/>
+              <a:gd name="connsiteX4" fmla="*/ 1680505 w 4033211"/>
+              <a:gd name="connsiteY4" fmla="*/ 0 h 785191"/>
+              <a:gd name="connsiteX5" fmla="*/ 3902343 w 4033211"/>
+              <a:gd name="connsiteY5" fmla="*/ 0 h 785191"/>
+              <a:gd name="connsiteX6" fmla="*/ 4033211 w 4033211"/>
+              <a:gd name="connsiteY6" fmla="*/ 130868 h 785191"/>
+              <a:gd name="connsiteX7" fmla="*/ 4033211 w 4033211"/>
+              <a:gd name="connsiteY7" fmla="*/ 458028 h 785191"/>
+              <a:gd name="connsiteX8" fmla="*/ 4033211 w 4033211"/>
+              <a:gd name="connsiteY8" fmla="*/ 458028 h 785191"/>
+              <a:gd name="connsiteX9" fmla="*/ 4033211 w 4033211"/>
+              <a:gd name="connsiteY9" fmla="*/ 654326 h 785191"/>
+              <a:gd name="connsiteX10" fmla="*/ 4033211 w 4033211"/>
+              <a:gd name="connsiteY10" fmla="*/ 654323 h 785191"/>
+              <a:gd name="connsiteX11" fmla="*/ 3902343 w 4033211"/>
+              <a:gd name="connsiteY11" fmla="*/ 785191 h 785191"/>
+              <a:gd name="connsiteX12" fmla="*/ 1680505 w 4033211"/>
+              <a:gd name="connsiteY12" fmla="*/ 785191 h 785191"/>
+              <a:gd name="connsiteX13" fmla="*/ 672202 w 4033211"/>
+              <a:gd name="connsiteY13" fmla="*/ 785191 h 785191"/>
+              <a:gd name="connsiteX14" fmla="*/ 130868 w 4033211"/>
+              <a:gd name="connsiteY14" fmla="*/ 785191 h 785191"/>
+              <a:gd name="connsiteX15" fmla="*/ 0 w 4033211"/>
+              <a:gd name="connsiteY15" fmla="*/ 654323 h 785191"/>
+              <a:gd name="connsiteX16" fmla="*/ 0 w 4033211"/>
+              <a:gd name="connsiteY16" fmla="*/ 654326 h 785191"/>
+              <a:gd name="connsiteX17" fmla="*/ 0 w 4033211"/>
+              <a:gd name="connsiteY17" fmla="*/ 458028 h 785191"/>
+              <a:gd name="connsiteX18" fmla="*/ 0 w 4033211"/>
+              <a:gd name="connsiteY18" fmla="*/ 458028 h 785191"/>
+              <a:gd name="connsiteX19" fmla="*/ 0 w 4033211"/>
+              <a:gd name="connsiteY19" fmla="*/ 130868 h 785191"/>
+              <a:gd name="connsiteX0" fmla="*/ 268357 w 4301568"/>
+              <a:gd name="connsiteY0" fmla="*/ 130868 h 785191"/>
+              <a:gd name="connsiteX1" fmla="*/ 399225 w 4301568"/>
+              <a:gd name="connsiteY1" fmla="*/ 0 h 785191"/>
+              <a:gd name="connsiteX2" fmla="*/ 940559 w 4301568"/>
+              <a:gd name="connsiteY2" fmla="*/ 0 h 785191"/>
+              <a:gd name="connsiteX3" fmla="*/ 940559 w 4301568"/>
+              <a:gd name="connsiteY3" fmla="*/ 0 h 785191"/>
+              <a:gd name="connsiteX4" fmla="*/ 1948862 w 4301568"/>
+              <a:gd name="connsiteY4" fmla="*/ 0 h 785191"/>
+              <a:gd name="connsiteX5" fmla="*/ 4170700 w 4301568"/>
+              <a:gd name="connsiteY5" fmla="*/ 0 h 785191"/>
+              <a:gd name="connsiteX6" fmla="*/ 4301568 w 4301568"/>
+              <a:gd name="connsiteY6" fmla="*/ 130868 h 785191"/>
+              <a:gd name="connsiteX7" fmla="*/ 4301568 w 4301568"/>
+              <a:gd name="connsiteY7" fmla="*/ 458028 h 785191"/>
+              <a:gd name="connsiteX8" fmla="*/ 4301568 w 4301568"/>
+              <a:gd name="connsiteY8" fmla="*/ 458028 h 785191"/>
+              <a:gd name="connsiteX9" fmla="*/ 4301568 w 4301568"/>
+              <a:gd name="connsiteY9" fmla="*/ 654326 h 785191"/>
+              <a:gd name="connsiteX10" fmla="*/ 4301568 w 4301568"/>
+              <a:gd name="connsiteY10" fmla="*/ 654323 h 785191"/>
+              <a:gd name="connsiteX11" fmla="*/ 4170700 w 4301568"/>
+              <a:gd name="connsiteY11" fmla="*/ 785191 h 785191"/>
+              <a:gd name="connsiteX12" fmla="*/ 1948862 w 4301568"/>
+              <a:gd name="connsiteY12" fmla="*/ 785191 h 785191"/>
+              <a:gd name="connsiteX13" fmla="*/ 940559 w 4301568"/>
+              <a:gd name="connsiteY13" fmla="*/ 785191 h 785191"/>
+              <a:gd name="connsiteX14" fmla="*/ 399225 w 4301568"/>
+              <a:gd name="connsiteY14" fmla="*/ 785191 h 785191"/>
+              <a:gd name="connsiteX15" fmla="*/ 268357 w 4301568"/>
+              <a:gd name="connsiteY15" fmla="*/ 654323 h 785191"/>
+              <a:gd name="connsiteX16" fmla="*/ 268357 w 4301568"/>
+              <a:gd name="connsiteY16" fmla="*/ 654326 h 785191"/>
+              <a:gd name="connsiteX17" fmla="*/ 268357 w 4301568"/>
+              <a:gd name="connsiteY17" fmla="*/ 458028 h 785191"/>
+              <a:gd name="connsiteX18" fmla="*/ 0 w 4301568"/>
+              <a:gd name="connsiteY18" fmla="*/ 378515 h 785191"/>
+              <a:gd name="connsiteX19" fmla="*/ 268357 w 4301568"/>
+              <a:gd name="connsiteY19" fmla="*/ 130868 h 785191"/>
+              <a:gd name="connsiteX0" fmla="*/ 268357 w 4301568"/>
+              <a:gd name="connsiteY0" fmla="*/ 130868 h 785191"/>
+              <a:gd name="connsiteX1" fmla="*/ 399225 w 4301568"/>
+              <a:gd name="connsiteY1" fmla="*/ 0 h 785191"/>
+              <a:gd name="connsiteX2" fmla="*/ 940559 w 4301568"/>
+              <a:gd name="connsiteY2" fmla="*/ 0 h 785191"/>
+              <a:gd name="connsiteX3" fmla="*/ 940559 w 4301568"/>
+              <a:gd name="connsiteY3" fmla="*/ 0 h 785191"/>
+              <a:gd name="connsiteX4" fmla="*/ 1948862 w 4301568"/>
+              <a:gd name="connsiteY4" fmla="*/ 0 h 785191"/>
+              <a:gd name="connsiteX5" fmla="*/ 4170700 w 4301568"/>
+              <a:gd name="connsiteY5" fmla="*/ 0 h 785191"/>
+              <a:gd name="connsiteX6" fmla="*/ 4301568 w 4301568"/>
+              <a:gd name="connsiteY6" fmla="*/ 130868 h 785191"/>
+              <a:gd name="connsiteX7" fmla="*/ 4301568 w 4301568"/>
+              <a:gd name="connsiteY7" fmla="*/ 458028 h 785191"/>
+              <a:gd name="connsiteX8" fmla="*/ 4301568 w 4301568"/>
+              <a:gd name="connsiteY8" fmla="*/ 458028 h 785191"/>
+              <a:gd name="connsiteX9" fmla="*/ 4301568 w 4301568"/>
+              <a:gd name="connsiteY9" fmla="*/ 654326 h 785191"/>
+              <a:gd name="connsiteX10" fmla="*/ 4301568 w 4301568"/>
+              <a:gd name="connsiteY10" fmla="*/ 654323 h 785191"/>
+              <a:gd name="connsiteX11" fmla="*/ 4170700 w 4301568"/>
+              <a:gd name="connsiteY11" fmla="*/ 785191 h 785191"/>
+              <a:gd name="connsiteX12" fmla="*/ 1948862 w 4301568"/>
+              <a:gd name="connsiteY12" fmla="*/ 785191 h 785191"/>
+              <a:gd name="connsiteX13" fmla="*/ 940559 w 4301568"/>
+              <a:gd name="connsiteY13" fmla="*/ 785191 h 785191"/>
+              <a:gd name="connsiteX14" fmla="*/ 399225 w 4301568"/>
+              <a:gd name="connsiteY14" fmla="*/ 785191 h 785191"/>
+              <a:gd name="connsiteX15" fmla="*/ 268357 w 4301568"/>
+              <a:gd name="connsiteY15" fmla="*/ 654323 h 785191"/>
+              <a:gd name="connsiteX16" fmla="*/ 268357 w 4301568"/>
+              <a:gd name="connsiteY16" fmla="*/ 654326 h 785191"/>
+              <a:gd name="connsiteX17" fmla="*/ 0 w 4301568"/>
+              <a:gd name="connsiteY17" fmla="*/ 378515 h 785191"/>
+              <a:gd name="connsiteX18" fmla="*/ 268357 w 4301568"/>
+              <a:gd name="connsiteY18" fmla="*/ 130868 h 785191"/>
+            </a:gdLst>
+            <a:ahLst/>
+            <a:cxnLst>
+              <a:cxn ang="0">
+                <a:pos x="connsiteX0" y="connsiteY0"/>
+              </a:cxn>
+              <a:cxn ang="0">
+                <a:pos x="connsiteX1" y="connsiteY1"/>
+              </a:cxn>
+              <a:cxn ang="0">
+                <a:pos x="connsiteX2" y="connsiteY2"/>
+              </a:cxn>
+              <a:cxn ang="0">
+                <a:pos x="connsiteX3" y="connsiteY3"/>
+              </a:cxn>
+              <a:cxn ang="0">
+                <a:pos x="connsiteX4" y="connsiteY4"/>
+              </a:cxn>
+              <a:cxn ang="0">
+                <a:pos x="connsiteX5" y="connsiteY5"/>
+              </a:cxn>
+              <a:cxn ang="0">
+                <a:pos x="connsiteX6" y="connsiteY6"/>
+              </a:cxn>
+              <a:cxn ang="0">
+                <a:pos x="connsiteX7" y="connsiteY7"/>
+              </a:cxn>
+              <a:cxn ang="0">
+                <a:pos x="connsiteX8" y="connsiteY8"/>
+              </a:cxn>
+              <a:cxn ang="0">
+                <a:pos x="connsiteX9" y="connsiteY9"/>
+              </a:cxn>
+              <a:cxn ang="0">
+                <a:pos x="connsiteX10" y="connsiteY10"/>
+              </a:cxn>
+              <a:cxn ang="0">
+                <a:pos x="connsiteX11" y="connsiteY11"/>
+              </a:cxn>
+              <a:cxn ang="0">
+                <a:pos x="connsiteX12" y="connsiteY12"/>
+              </a:cxn>
+              <a:cxn ang="0">
+                <a:pos x="connsiteX13" y="connsiteY13"/>
+              </a:cxn>
+              <a:cxn ang="0">
+                <a:pos x="connsiteX14" y="connsiteY14"/>
+              </a:cxn>
+              <a:cxn ang="0">
+                <a:pos x="connsiteX15" y="connsiteY15"/>
+              </a:cxn>
+              <a:cxn ang="0">
+                <a:pos x="connsiteX16" y="connsiteY16"/>
+              </a:cxn>
+              <a:cxn ang="0">
+                <a:pos x="connsiteX17" y="connsiteY17"/>
+              </a:cxn>
+              <a:cxn ang="0">
+                <a:pos x="connsiteX18" y="connsiteY18"/>
+              </a:cxn>
+            </a:cxnLst>
+            <a:rect l="l" t="t" r="r" b="b"/>
+            <a:pathLst>
+              <a:path w="4301568" h="785191">
+                <a:moveTo>
+                  <a:pt x="268357" y="130868"/>
+                </a:moveTo>
+                <a:cubicBezTo>
+                  <a:pt x="268357" y="58592"/>
+                  <a:pt x="326949" y="0"/>
+                  <a:pt x="399225" y="0"/>
+                </a:cubicBezTo>
+                <a:lnTo>
+                  <a:pt x="940559" y="0"/>
+                </a:lnTo>
+                <a:lnTo>
+                  <a:pt x="940559" y="0"/>
+                </a:lnTo>
+                <a:lnTo>
+                  <a:pt x="1948862" y="0"/>
+                </a:lnTo>
+                <a:lnTo>
+                  <a:pt x="4170700" y="0"/>
+                </a:lnTo>
+                <a:cubicBezTo>
+                  <a:pt x="4242976" y="0"/>
+                  <a:pt x="4301568" y="58592"/>
+                  <a:pt x="4301568" y="130868"/>
+                </a:cubicBezTo>
+                <a:lnTo>
+                  <a:pt x="4301568" y="458028"/>
+                </a:lnTo>
+                <a:lnTo>
+                  <a:pt x="4301568" y="458028"/>
+                </a:lnTo>
+                <a:lnTo>
+                  <a:pt x="4301568" y="654326"/>
+                </a:lnTo>
+                <a:lnTo>
+                  <a:pt x="4301568" y="654323"/>
+                </a:lnTo>
+                <a:cubicBezTo>
+                  <a:pt x="4301568" y="726599"/>
+                  <a:pt x="4242976" y="785191"/>
+                  <a:pt x="4170700" y="785191"/>
+                </a:cubicBezTo>
+                <a:lnTo>
+                  <a:pt x="1948862" y="785191"/>
+                </a:lnTo>
+                <a:lnTo>
+                  <a:pt x="940559" y="785191"/>
+                </a:lnTo>
+                <a:lnTo>
+                  <a:pt x="399225" y="785191"/>
+                </a:lnTo>
+                <a:cubicBezTo>
+                  <a:pt x="326949" y="785191"/>
+                  <a:pt x="268357" y="726599"/>
+                  <a:pt x="268357" y="654323"/>
+                </a:cubicBezTo>
+                <a:lnTo>
+                  <a:pt x="268357" y="654326"/>
+                </a:lnTo>
+                <a:lnTo>
+                  <a:pt x="0" y="378515"/>
+                </a:lnTo>
+                <a:lnTo>
+                  <a:pt x="268357" y="130868"/>
+                </a:lnTo>
+                <a:close/>
+              </a:path>
+            </a:pathLst>
+          </a:custGeom>
+          <a:solidFill>
+            <a:schemeClr val="bg1"/>
+          </a:solidFill>
+        </p:spPr>
+        <p:style>
+          <a:lnRef idx="2">
+            <a:schemeClr val="accent1">
+              <a:shade val="50000"/>
+            </a:schemeClr>
+          </a:lnRef>
+          <a:fillRef idx="1">
+            <a:schemeClr val="accent1"/>
+          </a:fillRef>
+          <a:effectRef idx="0">
+            <a:schemeClr val="accent1"/>
+          </a:effectRef>
+          <a:fontRef idx="minor">
+            <a:schemeClr val="lt1"/>
+          </a:fontRef>
+        </p:style>
+        <p:txBody>
+          <a:bodyPr rtlCol="0" anchor="ctr"/>
+          <a:lstStyle/>
+          <a:p>
+            <a:pPr algn="ctr"/>
+            <a:endParaRPr lang="zh-CN" altLang="en-US"/>
+          </a:p>
+        </p:txBody>
+      </p:sp>
+      <p:sp>
+        <p:nvSpPr>
+          <p:cNvPr id="20" name="TextBox 29">
+            <a:extLst>
+              <a:ext uri="{FF2B5EF4-FFF2-40B4-BE49-F238E27FC236}">
+                <a16:creationId xmlns:a16="http://schemas.microsoft.com/office/drawing/2014/main" id="{D9661533-F3FF-47C2-AF97-9E239C71A4D1}"/>
+              </a:ext>
+            </a:extLst>
+          </p:cNvPr>
+          <p:cNvSpPr txBox="1"/>
+          <p:nvPr/>
+        </p:nvSpPr>
+        <p:spPr>
+          <a:xfrm>
+            <a:off x="4661547" y="6156422"/>
+            <a:ext cx="3041419" cy="646331"/>
+          </a:xfrm>
+          <a:prstGeom prst="rect">
+            <a:avLst/>
+          </a:prstGeom>
+          <a:noFill/>
+        </p:spPr>
+        <p:txBody>
+          <a:bodyPr wrap="square" rtlCol="0">
+            <a:spAutoFit/>
+          </a:bodyPr>
+          <a:lstStyle/>
+          <a:p>
+            <a:r>
+              <a:rPr lang="zh-CN" altLang="en-US" dirty="0">
+                <a:solidFill>
+                  <a:srgbClr val="FF0000"/>
+                </a:solidFill>
+                <a:latin typeface="思源黑体 CN Normal" pitchFamily="34" charset="-122"/>
+                <a:ea typeface="思源黑体 CN Normal" pitchFamily="34" charset="-122"/>
+              </a:rPr>
+              <a:t>可进行图表化的内容，做到图表化更完美。</a:t>
+            </a:r>
+          </a:p>
+        </p:txBody>
+      </p:sp>
     </p:spTree>
   </p:cSld>
   <p:clrMapOvr>
